--- a/Challenge7/Challenge 7 PPT.pptx
+++ b/Challenge7/Challenge 7 PPT.pptx
@@ -9,9 +9,13 @@
     <p:sldId id="262" r:id="rId3"/>
     <p:sldId id="263" r:id="rId4"/>
     <p:sldId id="257" r:id="rId5"/>
-    <p:sldId id="272" r:id="rId6"/>
-    <p:sldId id="270" r:id="rId7"/>
-    <p:sldId id="267" r:id="rId8"/>
+    <p:sldId id="273" r:id="rId6"/>
+    <p:sldId id="275" r:id="rId7"/>
+    <p:sldId id="276" r:id="rId8"/>
+    <p:sldId id="274" r:id="rId9"/>
+    <p:sldId id="272" r:id="rId10"/>
+    <p:sldId id="270" r:id="rId11"/>
+    <p:sldId id="267" r:id="rId12"/>
   </p:sldIdLst>
   <p:sldSz cx="12192000" cy="6858000"/>
   <p:notesSz cx="6858000" cy="9144000"/>
@@ -6002,6 +6006,731 @@
 </p:sld>
 </file>
 
+<file path=ppt/slides/slide10.xml><?xml version="1.0" encoding="utf-8"?>
+<p:sld xmlns:a="http://schemas.openxmlformats.org/drawingml/2006/main" xmlns:r="http://schemas.openxmlformats.org/officeDocument/2006/relationships" xmlns:p="http://schemas.openxmlformats.org/presentationml/2006/main">
+  <p:cSld>
+    <p:spTree>
+      <p:nvGrpSpPr>
+        <p:cNvPr id="1" name=""/>
+        <p:cNvGrpSpPr/>
+        <p:nvPr/>
+      </p:nvGrpSpPr>
+      <p:grpSpPr>
+        <a:xfrm>
+          <a:off x="0" y="0"/>
+          <a:ext cx="0" cy="0"/>
+          <a:chOff x="0" y="0"/>
+          <a:chExt cx="0" cy="0"/>
+        </a:xfrm>
+      </p:grpSpPr>
+      <p:sp>
+        <p:nvSpPr>
+          <p:cNvPr id="2" name="Title 1"/>
+          <p:cNvSpPr>
+            <a:spLocks noGrp="1"/>
+          </p:cNvSpPr>
+          <p:nvPr>
+            <p:ph type="title"/>
+          </p:nvPr>
+        </p:nvSpPr>
+        <p:spPr>
+          <a:xfrm>
+            <a:off x="863601" y="190500"/>
+            <a:ext cx="10131425" cy="1456267"/>
+          </a:xfrm>
+        </p:spPr>
+        <p:txBody>
+          <a:bodyPr/>
+          <a:lstStyle/>
+          <a:p>
+            <a:pPr algn="ctr"/>
+            <a:r>
+              <a:rPr lang="en-US" altLang="zh-CN" dirty="0" smtClean="0"/>
+              <a:t>Challenge</a:t>
+            </a:r>
+            <a:r>
+              <a:rPr lang="zh-CN" altLang="en-US" dirty="0" smtClean="0"/>
+              <a:t> </a:t>
+            </a:r>
+            <a:r>
+              <a:rPr lang="en-US" altLang="zh-CN" dirty="0" smtClean="0"/>
+              <a:t>&amp;</a:t>
+            </a:r>
+            <a:r>
+              <a:rPr lang="zh-CN" altLang="en-US" dirty="0" smtClean="0"/>
+              <a:t> </a:t>
+            </a:r>
+            <a:r>
+              <a:rPr lang="en-US" altLang="zh-CN" dirty="0" smtClean="0"/>
+              <a:t>future</a:t>
+            </a:r>
+            <a:r>
+              <a:rPr lang="zh-CN" altLang="en-US" dirty="0" smtClean="0"/>
+              <a:t> </a:t>
+            </a:r>
+            <a:r>
+              <a:rPr lang="en-US" altLang="zh-CN" dirty="0" smtClean="0"/>
+              <a:t>improvement</a:t>
+            </a:r>
+            <a:endParaRPr lang="en-US" dirty="0"/>
+          </a:p>
+        </p:txBody>
+      </p:sp>
+      <p:sp>
+        <p:nvSpPr>
+          <p:cNvPr id="3" name="Content Placeholder 2"/>
+          <p:cNvSpPr>
+            <a:spLocks noGrp="1"/>
+          </p:cNvSpPr>
+          <p:nvPr>
+            <p:ph idx="1"/>
+          </p:nvPr>
+        </p:nvSpPr>
+        <p:spPr>
+          <a:xfrm>
+            <a:off x="863601" y="1646767"/>
+            <a:ext cx="10131425" cy="4652433"/>
+          </a:xfrm>
+        </p:spPr>
+        <p:txBody>
+          <a:bodyPr>
+            <a:normAutofit/>
+          </a:bodyPr>
+          <a:lstStyle/>
+          <a:p>
+            <a:r>
+              <a:rPr lang="en-US" altLang="zh-CN" sz="2800" dirty="0" smtClean="0"/>
+              <a:t>Challenges:</a:t>
+            </a:r>
+          </a:p>
+          <a:p>
+            <a:pPr lvl="1"/>
+            <a:r>
+              <a:rPr lang="en-US" altLang="zh-CN" sz="2000" dirty="0" smtClean="0"/>
+              <a:t>Configure</a:t>
+            </a:r>
+            <a:r>
+              <a:rPr lang="zh-CN" altLang="en-US" sz="2000" dirty="0" smtClean="0"/>
+              <a:t> </a:t>
+            </a:r>
+            <a:r>
+              <a:rPr lang="en-US" altLang="zh-CN" sz="2000" dirty="0" smtClean="0"/>
+              <a:t>the</a:t>
+            </a:r>
+            <a:r>
+              <a:rPr lang="zh-CN" altLang="en-US" sz="2000" dirty="0" smtClean="0"/>
+              <a:t> </a:t>
+            </a:r>
+            <a:r>
+              <a:rPr lang="en-US" altLang="zh-CN" sz="2000" dirty="0" err="1" smtClean="0"/>
+              <a:t>Xbees</a:t>
+            </a:r>
+            <a:r>
+              <a:rPr lang="en-US" altLang="zh-CN" sz="2000" dirty="0" smtClean="0"/>
+              <a:t>,</a:t>
+            </a:r>
+            <a:r>
+              <a:rPr lang="zh-CN" altLang="en-US" sz="2000" dirty="0" smtClean="0"/>
+              <a:t> </a:t>
+            </a:r>
+            <a:r>
+              <a:rPr lang="en-US" altLang="zh-CN" sz="2000" dirty="0" smtClean="0"/>
+              <a:t>solve</a:t>
+            </a:r>
+            <a:r>
+              <a:rPr lang="zh-CN" altLang="en-US" sz="2000" dirty="0" smtClean="0"/>
+              <a:t> </a:t>
+            </a:r>
+            <a:r>
+              <a:rPr lang="en-US" altLang="zh-CN" sz="2000" dirty="0" smtClean="0"/>
+              <a:t>the</a:t>
+            </a:r>
+            <a:r>
+              <a:rPr lang="zh-CN" altLang="en-US" sz="2000" dirty="0" smtClean="0"/>
+              <a:t> </a:t>
+            </a:r>
+            <a:r>
+              <a:rPr lang="en-US" altLang="zh-CN" sz="2000" dirty="0" smtClean="0"/>
+              <a:t>communication</a:t>
+            </a:r>
+            <a:r>
+              <a:rPr lang="zh-CN" altLang="en-US" sz="2000" dirty="0" smtClean="0"/>
+              <a:t> </a:t>
+            </a:r>
+            <a:r>
+              <a:rPr lang="en-US" altLang="zh-CN" sz="2000" dirty="0" smtClean="0"/>
+              <a:t>problem.</a:t>
+            </a:r>
+          </a:p>
+          <a:p>
+            <a:pPr lvl="1"/>
+            <a:r>
+              <a:rPr lang="en-US" altLang="zh-CN" sz="2000" dirty="0" smtClean="0"/>
+              <a:t>Solving</a:t>
+            </a:r>
+            <a:r>
+              <a:rPr lang="zh-CN" altLang="en-US" sz="2000" dirty="0" smtClean="0"/>
+              <a:t> </a:t>
+            </a:r>
+            <a:r>
+              <a:rPr lang="en-US" altLang="zh-CN" sz="2000" dirty="0" smtClean="0"/>
+              <a:t>the</a:t>
+            </a:r>
+            <a:r>
+              <a:rPr lang="zh-CN" altLang="en-US" sz="2000" dirty="0"/>
+              <a:t> </a:t>
+            </a:r>
+            <a:r>
+              <a:rPr lang="en-US" altLang="zh-CN" sz="2000" dirty="0" smtClean="0"/>
+              <a:t>problems</a:t>
+            </a:r>
+            <a:r>
+              <a:rPr lang="zh-CN" altLang="en-US" sz="2000" dirty="0" smtClean="0"/>
+              <a:t> </a:t>
+            </a:r>
+            <a:r>
+              <a:rPr lang="en-US" altLang="zh-CN" sz="2000" dirty="0" smtClean="0"/>
+              <a:t>when</a:t>
+            </a:r>
+            <a:r>
+              <a:rPr lang="zh-CN" altLang="en-US" sz="2000" dirty="0" smtClean="0"/>
+              <a:t> </a:t>
+            </a:r>
+            <a:r>
+              <a:rPr lang="en-US" altLang="zh-CN" sz="2000" dirty="0" smtClean="0"/>
+              <a:t>integrating</a:t>
+            </a:r>
+            <a:r>
+              <a:rPr lang="zh-CN" altLang="en-US" sz="2000" dirty="0" smtClean="0"/>
+              <a:t> </a:t>
+            </a:r>
+            <a:r>
+              <a:rPr lang="en-US" altLang="zh-CN" sz="2000" dirty="0" smtClean="0"/>
+              <a:t>all</a:t>
+            </a:r>
+            <a:r>
+              <a:rPr lang="zh-CN" altLang="en-US" sz="2000" dirty="0" smtClean="0"/>
+              <a:t> </a:t>
+            </a:r>
+            <a:r>
+              <a:rPr lang="en-US" altLang="zh-CN" sz="2000" dirty="0" smtClean="0"/>
+              <a:t>the</a:t>
+            </a:r>
+            <a:r>
+              <a:rPr lang="zh-CN" altLang="en-US" sz="2000" dirty="0" smtClean="0"/>
+              <a:t> </a:t>
+            </a:r>
+            <a:r>
+              <a:rPr lang="en-US" altLang="zh-CN" sz="2000" dirty="0" smtClean="0"/>
+              <a:t>components</a:t>
+            </a:r>
+            <a:r>
+              <a:rPr lang="zh-CN" altLang="en-US" sz="2000" dirty="0" smtClean="0"/>
+              <a:t> </a:t>
+            </a:r>
+            <a:r>
+              <a:rPr lang="en-US" altLang="zh-CN" sz="2000" dirty="0" smtClean="0"/>
+              <a:t>together.</a:t>
+            </a:r>
+          </a:p>
+          <a:p>
+            <a:pPr lvl="1"/>
+            <a:r>
+              <a:rPr lang="en-US" altLang="zh-CN" sz="2000" dirty="0" smtClean="0"/>
+              <a:t>Coding</a:t>
+            </a:r>
+            <a:r>
+              <a:rPr lang="zh-CN" altLang="en-US" sz="2000" dirty="0" smtClean="0"/>
+              <a:t> </a:t>
+            </a:r>
+            <a:r>
+              <a:rPr lang="en-US" altLang="zh-CN" sz="2000" dirty="0" smtClean="0"/>
+              <a:t>and</a:t>
+            </a:r>
+            <a:r>
+              <a:rPr lang="zh-CN" altLang="en-US" sz="2000" dirty="0" smtClean="0"/>
+              <a:t> </a:t>
+            </a:r>
+            <a:r>
+              <a:rPr lang="en-US" altLang="zh-CN" sz="2000" dirty="0" smtClean="0"/>
+              <a:t>testing</a:t>
+            </a:r>
+            <a:r>
+              <a:rPr lang="zh-CN" altLang="en-US" sz="2000" dirty="0" smtClean="0"/>
+              <a:t> </a:t>
+            </a:r>
+            <a:r>
+              <a:rPr lang="en-US" altLang="zh-CN" sz="2000" dirty="0" smtClean="0"/>
+              <a:t>the</a:t>
+            </a:r>
+            <a:r>
+              <a:rPr lang="zh-CN" altLang="en-US" sz="2000" dirty="0" smtClean="0"/>
+              <a:t> </a:t>
+            </a:r>
+            <a:r>
+              <a:rPr lang="en-US" altLang="zh-CN" sz="2000" dirty="0" smtClean="0"/>
+              <a:t>algorithm.</a:t>
+            </a:r>
+            <a:endParaRPr lang="en-US" altLang="zh-CN" sz="2000" dirty="0"/>
+          </a:p>
+          <a:p>
+            <a:r>
+              <a:rPr lang="en-US" altLang="zh-CN" sz="2800" dirty="0" smtClean="0"/>
+              <a:t>Improvement:</a:t>
+            </a:r>
+          </a:p>
+          <a:p>
+            <a:pPr lvl="1"/>
+            <a:r>
+              <a:rPr lang="en-US" altLang="zh-CN" sz="2000" dirty="0" smtClean="0"/>
+              <a:t>Lower</a:t>
+            </a:r>
+            <a:r>
+              <a:rPr lang="zh-CN" altLang="en-US" sz="2000" dirty="0" smtClean="0"/>
+              <a:t> </a:t>
+            </a:r>
+            <a:r>
+              <a:rPr lang="en-US" altLang="zh-CN" sz="2000" dirty="0" smtClean="0"/>
+              <a:t>latency</a:t>
+            </a:r>
+          </a:p>
+          <a:p>
+            <a:pPr lvl="1"/>
+            <a:r>
+              <a:rPr lang="en-US" altLang="zh-CN" sz="2000" dirty="0" smtClean="0"/>
+              <a:t>When</a:t>
+            </a:r>
+            <a:r>
+              <a:rPr lang="zh-CN" altLang="en-US" sz="2000" dirty="0" smtClean="0"/>
+              <a:t> </a:t>
+            </a:r>
+            <a:r>
+              <a:rPr lang="en-US" altLang="zh-CN" sz="2000" dirty="0" smtClean="0"/>
+              <a:t>leader</a:t>
+            </a:r>
+            <a:r>
+              <a:rPr lang="zh-CN" altLang="en-US" sz="2000" dirty="0" smtClean="0"/>
+              <a:t> </a:t>
+            </a:r>
+            <a:r>
+              <a:rPr lang="en-US" altLang="zh-CN" sz="2000" dirty="0" smtClean="0"/>
+              <a:t>re-plug-in</a:t>
+            </a:r>
+            <a:r>
+              <a:rPr lang="zh-CN" altLang="en-US" sz="2000" dirty="0" smtClean="0"/>
+              <a:t> </a:t>
+            </a:r>
+            <a:r>
+              <a:rPr lang="en-US" altLang="zh-CN" sz="2000" dirty="0" smtClean="0"/>
+              <a:t>to</a:t>
+            </a:r>
+            <a:r>
+              <a:rPr lang="zh-CN" altLang="en-US" sz="2000" dirty="0" smtClean="0"/>
+              <a:t> </a:t>
+            </a:r>
+            <a:r>
+              <a:rPr lang="en-US" altLang="zh-CN" sz="2000" dirty="0" smtClean="0"/>
+              <a:t>the</a:t>
+            </a:r>
+            <a:r>
+              <a:rPr lang="zh-CN" altLang="en-US" sz="2000" dirty="0" smtClean="0"/>
+              <a:t> </a:t>
+            </a:r>
+            <a:r>
+              <a:rPr lang="en-US" altLang="zh-CN" sz="2000" dirty="0" smtClean="0"/>
+              <a:t>network,</a:t>
+            </a:r>
+            <a:r>
+              <a:rPr lang="zh-CN" altLang="en-US" sz="2000" dirty="0" smtClean="0"/>
+              <a:t> </a:t>
+            </a:r>
+            <a:r>
+              <a:rPr lang="en-US" altLang="zh-CN" sz="2000" dirty="0" smtClean="0"/>
+              <a:t>the</a:t>
+            </a:r>
+            <a:r>
+              <a:rPr lang="zh-CN" altLang="en-US" sz="2000" dirty="0" smtClean="0"/>
+              <a:t> </a:t>
+            </a:r>
+            <a:r>
+              <a:rPr lang="en-US" altLang="zh-CN" sz="2000" dirty="0" smtClean="0"/>
+              <a:t>processing</a:t>
+            </a:r>
+            <a:r>
+              <a:rPr lang="zh-CN" altLang="en-US" sz="2000" dirty="0" smtClean="0"/>
+              <a:t> </a:t>
+            </a:r>
+            <a:r>
+              <a:rPr lang="en-US" altLang="zh-CN" sz="2000" dirty="0" smtClean="0"/>
+              <a:t>time</a:t>
+            </a:r>
+            <a:r>
+              <a:rPr lang="zh-CN" altLang="en-US" sz="2000" dirty="0" smtClean="0"/>
+              <a:t> </a:t>
+            </a:r>
+            <a:r>
+              <a:rPr lang="en-US" altLang="zh-CN" sz="2000" dirty="0" smtClean="0"/>
+              <a:t>can</a:t>
+            </a:r>
+            <a:r>
+              <a:rPr lang="zh-CN" altLang="en-US" sz="2000" dirty="0" smtClean="0"/>
+              <a:t> </a:t>
+            </a:r>
+            <a:r>
+              <a:rPr lang="en-US" altLang="zh-CN" sz="2000" dirty="0" smtClean="0"/>
+              <a:t>be</a:t>
+            </a:r>
+            <a:r>
+              <a:rPr lang="zh-CN" altLang="en-US" sz="2000" dirty="0"/>
+              <a:t> </a:t>
+            </a:r>
+            <a:r>
+              <a:rPr lang="en-US" altLang="zh-CN" sz="2000" dirty="0" smtClean="0"/>
+              <a:t>reduced.</a:t>
+            </a:r>
+          </a:p>
+          <a:p>
+            <a:pPr lvl="1"/>
+            <a:endParaRPr lang="en-US" altLang="zh-CN" sz="2000" dirty="0"/>
+          </a:p>
+        </p:txBody>
+      </p:sp>
+    </p:spTree>
+    <p:extLst>
+      <p:ext uri="{BB962C8B-B14F-4D97-AF65-F5344CB8AC3E}">
+        <p14:creationId xmlns:p14="http://schemas.microsoft.com/office/powerpoint/2010/main" val="1412635519"/>
+      </p:ext>
+    </p:extLst>
+  </p:cSld>
+  <p:clrMapOvr>
+    <a:masterClrMapping/>
+  </p:clrMapOvr>
+  <p:timing>
+    <p:tnLst>
+      <p:par>
+        <p:cTn id="1" dur="indefinite" restart="never" nodeType="tmRoot"/>
+      </p:par>
+    </p:tnLst>
+  </p:timing>
+</p:sld>
+</file>
+
+<file path=ppt/slides/slide11.xml><?xml version="1.0" encoding="utf-8"?>
+<p:sld xmlns:a="http://schemas.openxmlformats.org/drawingml/2006/main" xmlns:r="http://schemas.openxmlformats.org/officeDocument/2006/relationships" xmlns:p="http://schemas.openxmlformats.org/presentationml/2006/main">
+  <p:cSld>
+    <p:spTree>
+      <p:nvGrpSpPr>
+        <p:cNvPr id="1" name=""/>
+        <p:cNvGrpSpPr/>
+        <p:nvPr/>
+      </p:nvGrpSpPr>
+      <p:grpSpPr>
+        <a:xfrm>
+          <a:off x="0" y="0"/>
+          <a:ext cx="0" cy="0"/>
+          <a:chOff x="0" y="0"/>
+          <a:chExt cx="0" cy="0"/>
+        </a:xfrm>
+      </p:grpSpPr>
+      <p:sp>
+        <p:nvSpPr>
+          <p:cNvPr id="4" name="Rectangle 3"/>
+          <p:cNvSpPr/>
+          <p:nvPr/>
+        </p:nvSpPr>
+        <p:spPr>
+          <a:xfrm>
+            <a:off x="3220822" y="2459335"/>
+            <a:ext cx="5166158" cy="1323439"/>
+          </a:xfrm>
+          <a:prstGeom prst="rect">
+            <a:avLst/>
+          </a:prstGeom>
+          <a:noFill/>
+        </p:spPr>
+        <p:txBody>
+          <a:bodyPr wrap="none" lIns="91440" tIns="45720" rIns="91440" bIns="45720">
+            <a:spAutoFit/>
+          </a:bodyPr>
+          <a:lstStyle/>
+          <a:p>
+            <a:pPr algn="ctr"/>
+            <a:r>
+              <a:rPr lang="en-US" altLang="zh-CN" sz="8000" b="1" dirty="0" smtClean="0">
+                <a:ln w="12700">
+                  <a:solidFill>
+                    <a:schemeClr val="tx2">
+                      <a:lumMod val="75000"/>
+                    </a:schemeClr>
+                  </a:solidFill>
+                  <a:prstDash val="solid"/>
+                </a:ln>
+                <a:pattFill prst="dkUpDiag">
+                  <a:fgClr>
+                    <a:schemeClr val="tx2"/>
+                  </a:fgClr>
+                  <a:bgClr>
+                    <a:schemeClr val="tx2">
+                      <a:lumMod val="20000"/>
+                      <a:lumOff val="80000"/>
+                    </a:schemeClr>
+                  </a:bgClr>
+                </a:pattFill>
+                <a:effectLst>
+                  <a:outerShdw dist="38100" dir="2640000" algn="bl" rotWithShape="0">
+                    <a:schemeClr val="tx2">
+                      <a:lumMod val="75000"/>
+                    </a:schemeClr>
+                  </a:outerShdw>
+                </a:effectLst>
+              </a:rPr>
+              <a:t>Thank</a:t>
+            </a:r>
+            <a:r>
+              <a:rPr lang="zh-CN" altLang="en-US" sz="8000" b="1" dirty="0" smtClean="0">
+                <a:ln w="12700">
+                  <a:solidFill>
+                    <a:schemeClr val="tx2">
+                      <a:lumMod val="75000"/>
+                    </a:schemeClr>
+                  </a:solidFill>
+                  <a:prstDash val="solid"/>
+                </a:ln>
+                <a:pattFill prst="dkUpDiag">
+                  <a:fgClr>
+                    <a:schemeClr val="tx2"/>
+                  </a:fgClr>
+                  <a:bgClr>
+                    <a:schemeClr val="tx2">
+                      <a:lumMod val="20000"/>
+                      <a:lumOff val="80000"/>
+                    </a:schemeClr>
+                  </a:bgClr>
+                </a:pattFill>
+                <a:effectLst>
+                  <a:outerShdw dist="38100" dir="2640000" algn="bl" rotWithShape="0">
+                    <a:schemeClr val="tx2">
+                      <a:lumMod val="75000"/>
+                    </a:schemeClr>
+                  </a:outerShdw>
+                </a:effectLst>
+              </a:rPr>
+              <a:t> </a:t>
+            </a:r>
+            <a:r>
+              <a:rPr lang="en-US" altLang="zh-CN" sz="8000" b="1" dirty="0" smtClean="0">
+                <a:ln w="12700">
+                  <a:solidFill>
+                    <a:schemeClr val="tx2">
+                      <a:lumMod val="75000"/>
+                    </a:schemeClr>
+                  </a:solidFill>
+                  <a:prstDash val="solid"/>
+                </a:ln>
+                <a:pattFill prst="dkUpDiag">
+                  <a:fgClr>
+                    <a:schemeClr val="tx2"/>
+                  </a:fgClr>
+                  <a:bgClr>
+                    <a:schemeClr val="tx2">
+                      <a:lumMod val="20000"/>
+                      <a:lumOff val="80000"/>
+                    </a:schemeClr>
+                  </a:bgClr>
+                </a:pattFill>
+                <a:effectLst>
+                  <a:outerShdw dist="38100" dir="2640000" algn="bl" rotWithShape="0">
+                    <a:schemeClr val="tx2">
+                      <a:lumMod val="75000"/>
+                    </a:schemeClr>
+                  </a:outerShdw>
+                </a:effectLst>
+              </a:rPr>
+              <a:t>you</a:t>
+            </a:r>
+            <a:r>
+              <a:rPr lang="zh-CN" altLang="en-US" sz="8000" b="1" dirty="0">
+                <a:ln w="12700">
+                  <a:solidFill>
+                    <a:schemeClr val="tx2">
+                      <a:lumMod val="75000"/>
+                    </a:schemeClr>
+                  </a:solidFill>
+                  <a:prstDash val="solid"/>
+                </a:ln>
+                <a:pattFill prst="dkUpDiag">
+                  <a:fgClr>
+                    <a:schemeClr val="tx2"/>
+                  </a:fgClr>
+                  <a:bgClr>
+                    <a:schemeClr val="tx2">
+                      <a:lumMod val="20000"/>
+                      <a:lumOff val="80000"/>
+                    </a:schemeClr>
+                  </a:bgClr>
+                </a:pattFill>
+                <a:effectLst>
+                  <a:outerShdw dist="38100" dir="2640000" algn="bl" rotWithShape="0">
+                    <a:schemeClr val="tx2">
+                      <a:lumMod val="75000"/>
+                    </a:schemeClr>
+                  </a:outerShdw>
+                </a:effectLst>
+              </a:rPr>
+              <a:t> </a:t>
+            </a:r>
+            <a:r>
+              <a:rPr lang="en-US" altLang="zh-CN" sz="8000" b="1" dirty="0" smtClean="0">
+                <a:ln w="12700">
+                  <a:solidFill>
+                    <a:schemeClr val="tx2">
+                      <a:lumMod val="75000"/>
+                    </a:schemeClr>
+                  </a:solidFill>
+                  <a:prstDash val="solid"/>
+                </a:ln>
+                <a:pattFill prst="dkUpDiag">
+                  <a:fgClr>
+                    <a:schemeClr val="tx2"/>
+                  </a:fgClr>
+                  <a:bgClr>
+                    <a:schemeClr val="tx2">
+                      <a:lumMod val="20000"/>
+                      <a:lumOff val="80000"/>
+                    </a:schemeClr>
+                  </a:bgClr>
+                </a:pattFill>
+                <a:effectLst>
+                  <a:outerShdw dist="38100" dir="2640000" algn="bl" rotWithShape="0">
+                    <a:schemeClr val="tx2">
+                      <a:lumMod val="75000"/>
+                    </a:schemeClr>
+                  </a:outerShdw>
+                </a:effectLst>
+              </a:rPr>
+              <a:t>!</a:t>
+            </a:r>
+            <a:endParaRPr lang="en-US" altLang="zh-CN" sz="8000" b="1" cap="none" spc="0" dirty="0">
+              <a:ln w="12700">
+                <a:solidFill>
+                  <a:schemeClr val="tx2">
+                    <a:lumMod val="75000"/>
+                  </a:schemeClr>
+                </a:solidFill>
+                <a:prstDash val="solid"/>
+              </a:ln>
+              <a:pattFill prst="dkUpDiag">
+                <a:fgClr>
+                  <a:schemeClr val="tx2"/>
+                </a:fgClr>
+                <a:bgClr>
+                  <a:schemeClr val="tx2">
+                    <a:lumMod val="20000"/>
+                    <a:lumOff val="80000"/>
+                  </a:schemeClr>
+                </a:bgClr>
+              </a:pattFill>
+              <a:effectLst>
+                <a:outerShdw dist="38100" dir="2640000" algn="bl" rotWithShape="0">
+                  <a:schemeClr val="tx2">
+                    <a:lumMod val="75000"/>
+                  </a:schemeClr>
+                </a:outerShdw>
+              </a:effectLst>
+            </a:endParaRPr>
+          </a:p>
+        </p:txBody>
+      </p:sp>
+    </p:spTree>
+    <p:extLst>
+      <p:ext uri="{BB962C8B-B14F-4D97-AF65-F5344CB8AC3E}">
+        <p14:creationId xmlns:p14="http://schemas.microsoft.com/office/powerpoint/2010/main" val="379639241"/>
+      </p:ext>
+    </p:extLst>
+  </p:cSld>
+  <p:clrMapOvr>
+    <a:masterClrMapping/>
+  </p:clrMapOvr>
+  <p:timing>
+    <p:tnLst>
+      <p:par>
+        <p:cTn id="1" dur="indefinite" restart="never" nodeType="tmRoot">
+          <p:childTnLst>
+            <p:seq concurrent="1" nextAc="seek">
+              <p:cTn id="2" dur="indefinite" nodeType="mainSeq">
+                <p:childTnLst>
+                  <p:par>
+                    <p:cTn id="3" fill="hold">
+                      <p:stCondLst>
+                        <p:cond delay="indefinite"/>
+                      </p:stCondLst>
+                      <p:childTnLst>
+                        <p:par>
+                          <p:cTn id="4" fill="hold">
+                            <p:stCondLst>
+                              <p:cond delay="0"/>
+                            </p:stCondLst>
+                            <p:childTnLst>
+                              <p:par>
+                                <p:cTn id="5" presetID="26" presetClass="emph" presetSubtype="0" fill="hold" grpId="0" nodeType="clickEffect">
+                                  <p:stCondLst>
+                                    <p:cond delay="0"/>
+                                  </p:stCondLst>
+                                  <p:childTnLst>
+                                    <p:animEffect transition="out" filter="fade">
+                                      <p:cBhvr>
+                                        <p:cTn id="6" dur="500" tmFilter="0, 0; .2, .5; .8, .5; 1, 0"/>
+                                        <p:tgtEl>
+                                          <p:spTgt spid="4"/>
+                                        </p:tgtEl>
+                                      </p:cBhvr>
+                                    </p:animEffect>
+                                    <p:animScale>
+                                      <p:cBhvr>
+                                        <p:cTn id="7" dur="250" autoRev="1" fill="hold"/>
+                                        <p:tgtEl>
+                                          <p:spTgt spid="4"/>
+                                        </p:tgtEl>
+                                      </p:cBhvr>
+                                      <p:by x="105000" y="105000"/>
+                                    </p:animScale>
+                                  </p:childTnLst>
+                                </p:cTn>
+                              </p:par>
+                            </p:childTnLst>
+                          </p:cTn>
+                        </p:par>
+                      </p:childTnLst>
+                    </p:cTn>
+                  </p:par>
+                </p:childTnLst>
+              </p:cTn>
+              <p:prevCondLst>
+                <p:cond evt="onPrev" delay="0">
+                  <p:tgtEl>
+                    <p:sldTgt/>
+                  </p:tgtEl>
+                </p:cond>
+              </p:prevCondLst>
+              <p:nextCondLst>
+                <p:cond evt="onNext" delay="0">
+                  <p:tgtEl>
+                    <p:sldTgt/>
+                  </p:tgtEl>
+                </p:cond>
+              </p:nextCondLst>
+            </p:seq>
+          </p:childTnLst>
+        </p:cTn>
+      </p:par>
+    </p:tnLst>
+    <p:bldLst>
+      <p:bldP spid="4" grpId="0"/>
+    </p:bldLst>
+  </p:timing>
+</p:sld>
+</file>
+
 <file path=ppt/slides/slide2.xml><?xml version="1.0" encoding="utf-8"?>
 <p:sld xmlns:a="http://schemas.openxmlformats.org/drawingml/2006/main" xmlns:r="http://schemas.openxmlformats.org/officeDocument/2006/relationships" xmlns:p="http://schemas.openxmlformats.org/presentationml/2006/main">
   <p:cSld>
@@ -8040,8 +8769,8 @@
         </p:nvSpPr>
         <p:spPr>
           <a:xfrm>
-            <a:off x="1003301" y="419101"/>
-            <a:ext cx="10131425" cy="723900"/>
+            <a:off x="685801" y="609601"/>
+            <a:ext cx="10131425" cy="774700"/>
           </a:xfrm>
         </p:spPr>
         <p:txBody>
@@ -8051,7 +8780,7 @@
             <a:pPr algn="ctr"/>
             <a:r>
               <a:rPr lang="en-US" altLang="zh-CN" dirty="0" smtClean="0"/>
-              <a:t>Design</a:t>
+              <a:t>Step</a:t>
             </a:r>
             <a:r>
               <a:rPr lang="zh-CN" altLang="en-US" dirty="0" smtClean="0"/>
@@ -8059,555 +8788,59 @@
             </a:r>
             <a:r>
               <a:rPr lang="en-US" altLang="zh-CN" dirty="0" smtClean="0"/>
-              <a:t>decisions</a:t>
+              <a:t>1</a:t>
             </a:r>
             <a:endParaRPr lang="en-US" dirty="0"/>
           </a:p>
         </p:txBody>
       </p:sp>
-      <p:sp>
-        <p:nvSpPr>
-          <p:cNvPr id="3" name="Content Placeholder 2"/>
-          <p:cNvSpPr>
-            <a:spLocks noGrp="1"/>
-          </p:cNvSpPr>
-          <p:nvPr>
-            <p:ph idx="1"/>
-          </p:nvPr>
-        </p:nvSpPr>
+      <p:pic>
+        <p:nvPicPr>
+          <p:cNvPr id="6" name="Picture 5"/>
+          <p:cNvPicPr>
+            <a:picLocks noChangeAspect="1"/>
+          </p:cNvPicPr>
+          <p:nvPr/>
+        </p:nvPicPr>
+        <p:blipFill>
+          <a:blip r:embed="rId2">
+            <a:extLst>
+              <a:ext uri="{28A0092B-C50C-407E-A947-70E740481C1C}">
+                <a14:useLocalDpi xmlns:a14="http://schemas.microsoft.com/office/drawing/2010/main" val="0"/>
+              </a:ext>
+            </a:extLst>
+          </a:blip>
+          <a:stretch>
+            <a:fillRect/>
+          </a:stretch>
+        </p:blipFill>
         <p:spPr>
           <a:xfrm>
-            <a:off x="1003300" y="1659467"/>
-            <a:ext cx="10131425" cy="4207933"/>
+            <a:off x="685801" y="1638300"/>
+            <a:ext cx="10617200" cy="4241800"/>
           </a:xfrm>
+          <a:prstGeom prst="rect">
+            <a:avLst/>
+          </a:prstGeom>
         </p:spPr>
-        <p:txBody>
-          <a:bodyPr/>
-          <a:lstStyle/>
-          <a:p>
-            <a:r>
-              <a:rPr lang="en-US" altLang="zh-CN" sz="2800" dirty="0" smtClean="0"/>
-              <a:t>Leader</a:t>
-            </a:r>
-          </a:p>
-          <a:p>
-            <a:pPr lvl="1"/>
-            <a:r>
-              <a:rPr lang="en-US" altLang="zh-CN" sz="2000" dirty="0" smtClean="0"/>
-              <a:t>Each</a:t>
-            </a:r>
-            <a:r>
-              <a:rPr lang="zh-CN" altLang="en-US" sz="2000" dirty="0" smtClean="0"/>
-              <a:t> </a:t>
-            </a:r>
-            <a:r>
-              <a:rPr lang="en-US" altLang="zh-CN" sz="2000" dirty="0" smtClean="0"/>
-              <a:t>device</a:t>
-            </a:r>
-            <a:r>
-              <a:rPr lang="zh-CN" altLang="en-US" sz="2000" dirty="0" smtClean="0"/>
-              <a:t> </a:t>
-            </a:r>
-            <a:r>
-              <a:rPr lang="en-US" altLang="zh-CN" sz="2000" dirty="0" smtClean="0"/>
-              <a:t>has</a:t>
-            </a:r>
-            <a:r>
-              <a:rPr lang="zh-CN" altLang="en-US" sz="2000" dirty="0" smtClean="0"/>
-              <a:t> </a:t>
-            </a:r>
-            <a:r>
-              <a:rPr lang="en-US" altLang="zh-CN" sz="2000" dirty="0" smtClean="0"/>
-              <a:t>an</a:t>
-            </a:r>
-            <a:r>
-              <a:rPr lang="zh-CN" altLang="en-US" sz="2000" dirty="0" smtClean="0"/>
-              <a:t> </a:t>
-            </a:r>
-            <a:r>
-              <a:rPr lang="en-US" altLang="zh-CN" sz="2000" dirty="0" smtClean="0"/>
-              <a:t>address,</a:t>
-            </a:r>
-            <a:r>
-              <a:rPr lang="zh-CN" altLang="en-US" sz="2000" dirty="0" smtClean="0"/>
-              <a:t> </a:t>
-            </a:r>
-            <a:r>
-              <a:rPr lang="en-US" altLang="zh-CN" sz="2000" dirty="0" smtClean="0"/>
-              <a:t>the</a:t>
-            </a:r>
-            <a:r>
-              <a:rPr lang="zh-CN" altLang="en-US" sz="2000" dirty="0" smtClean="0"/>
-              <a:t> </a:t>
-            </a:r>
-            <a:r>
-              <a:rPr lang="en-US" altLang="zh-CN" sz="2000" dirty="0" smtClean="0"/>
-              <a:t>device</a:t>
-            </a:r>
-            <a:r>
-              <a:rPr lang="zh-CN" altLang="en-US" sz="2000" dirty="0" smtClean="0"/>
-              <a:t> </a:t>
-            </a:r>
-            <a:r>
-              <a:rPr lang="en-US" altLang="zh-CN" sz="2000" dirty="0" smtClean="0"/>
-              <a:t>with</a:t>
-            </a:r>
-            <a:r>
-              <a:rPr lang="zh-CN" altLang="en-US" sz="2000" dirty="0" smtClean="0"/>
-              <a:t> </a:t>
-            </a:r>
-            <a:r>
-              <a:rPr lang="en-US" altLang="zh-CN" sz="2000" dirty="0" smtClean="0"/>
-              <a:t>the</a:t>
-            </a:r>
-            <a:r>
-              <a:rPr lang="zh-CN" altLang="en-US" sz="2000" dirty="0" smtClean="0"/>
-              <a:t> </a:t>
-            </a:r>
-            <a:r>
-              <a:rPr lang="en-US" altLang="zh-CN" sz="2000" dirty="0" smtClean="0"/>
-              <a:t>highest</a:t>
-            </a:r>
-            <a:r>
-              <a:rPr lang="zh-CN" altLang="en-US" sz="2000" dirty="0" smtClean="0"/>
-              <a:t> </a:t>
-            </a:r>
-            <a:r>
-              <a:rPr lang="en-US" altLang="zh-CN" sz="2000" dirty="0" smtClean="0"/>
-              <a:t>address</a:t>
-            </a:r>
-            <a:r>
-              <a:rPr lang="zh-CN" altLang="en-US" sz="2000" dirty="0" smtClean="0"/>
-              <a:t> </a:t>
-            </a:r>
-            <a:r>
-              <a:rPr lang="en-US" altLang="zh-CN" sz="2000" dirty="0" smtClean="0"/>
-              <a:t>is</a:t>
-            </a:r>
-            <a:r>
-              <a:rPr lang="zh-CN" altLang="en-US" sz="2000" dirty="0" smtClean="0"/>
-              <a:t> </a:t>
-            </a:r>
-            <a:r>
-              <a:rPr lang="en-US" altLang="zh-CN" sz="2000" dirty="0" smtClean="0"/>
-              <a:t>the</a:t>
-            </a:r>
-            <a:r>
-              <a:rPr lang="zh-CN" altLang="en-US" sz="2000" dirty="0" smtClean="0"/>
-              <a:t> </a:t>
-            </a:r>
-            <a:r>
-              <a:rPr lang="en-US" altLang="zh-CN" sz="2000" dirty="0" smtClean="0"/>
-              <a:t>leader</a:t>
-            </a:r>
-            <a:r>
-              <a:rPr lang="en-US" altLang="zh-CN" sz="2000" dirty="0" smtClean="0"/>
-              <a:t>.</a:t>
-            </a:r>
-          </a:p>
-          <a:p>
-            <a:pPr lvl="1"/>
-            <a:r>
-              <a:rPr lang="en-US" altLang="zh-CN" sz="2000" dirty="0" smtClean="0"/>
-              <a:t>A</a:t>
-            </a:r>
-            <a:r>
-              <a:rPr lang="zh-CN" altLang="en-US" sz="2000" dirty="0" smtClean="0"/>
-              <a:t> </a:t>
-            </a:r>
-            <a:r>
-              <a:rPr lang="en-US" altLang="zh-CN" sz="2000" dirty="0" smtClean="0"/>
-              <a:t>process</a:t>
-            </a:r>
-            <a:r>
-              <a:rPr lang="zh-CN" altLang="en-US" sz="2000" dirty="0" smtClean="0"/>
-              <a:t> </a:t>
-            </a:r>
-            <a:r>
-              <a:rPr lang="en-US" altLang="zh-CN" sz="2000" dirty="0" smtClean="0"/>
-              <a:t>initiates</a:t>
-            </a:r>
-            <a:r>
-              <a:rPr lang="zh-CN" altLang="en-US" sz="2000" dirty="0" smtClean="0"/>
-              <a:t> </a:t>
-            </a:r>
-            <a:r>
-              <a:rPr lang="en-US" altLang="zh-CN" sz="2000" dirty="0" smtClean="0"/>
-              <a:t>an</a:t>
-            </a:r>
-            <a:r>
-              <a:rPr lang="zh-CN" altLang="en-US" sz="2000" dirty="0" smtClean="0"/>
-              <a:t> </a:t>
-            </a:r>
-            <a:r>
-              <a:rPr lang="en-US" altLang="zh-CN" sz="2000" dirty="0" smtClean="0"/>
-              <a:t>election</a:t>
-            </a:r>
-            <a:r>
-              <a:rPr lang="zh-CN" altLang="en-US" sz="2000" dirty="0" smtClean="0"/>
-              <a:t> </a:t>
-            </a:r>
-            <a:r>
-              <a:rPr lang="en-US" altLang="zh-CN" sz="2000" dirty="0" smtClean="0"/>
-              <a:t>if</a:t>
-            </a:r>
-            <a:r>
-              <a:rPr lang="zh-CN" altLang="en-US" sz="2000" dirty="0" smtClean="0"/>
-              <a:t> </a:t>
-            </a:r>
-            <a:r>
-              <a:rPr lang="en-US" altLang="zh-CN" sz="2000" dirty="0" smtClean="0"/>
-              <a:t>it</a:t>
-            </a:r>
-            <a:r>
-              <a:rPr lang="zh-CN" altLang="en-US" sz="2000" dirty="0" smtClean="0"/>
-              <a:t> </a:t>
-            </a:r>
-            <a:r>
-              <a:rPr lang="en-US" altLang="zh-CN" sz="2000" dirty="0" smtClean="0"/>
-              <a:t>just</a:t>
-            </a:r>
-            <a:r>
-              <a:rPr lang="zh-CN" altLang="en-US" sz="2000" dirty="0" smtClean="0"/>
-              <a:t> </a:t>
-            </a:r>
-            <a:r>
-              <a:rPr lang="en-US" altLang="zh-CN" sz="2000" dirty="0" smtClean="0"/>
-              <a:t>recovered</a:t>
-            </a:r>
-            <a:r>
-              <a:rPr lang="zh-CN" altLang="en-US" sz="2000" dirty="0" smtClean="0"/>
-              <a:t> </a:t>
-            </a:r>
-            <a:r>
-              <a:rPr lang="en-US" altLang="zh-CN" sz="2000" dirty="0" smtClean="0"/>
-              <a:t>from</a:t>
-            </a:r>
-            <a:r>
-              <a:rPr lang="zh-CN" altLang="en-US" sz="2000" dirty="0" smtClean="0"/>
-              <a:t> </a:t>
-            </a:r>
-            <a:r>
-              <a:rPr lang="en-US" altLang="zh-CN" sz="2000" dirty="0" smtClean="0"/>
-              <a:t>failure</a:t>
-            </a:r>
-            <a:r>
-              <a:rPr lang="zh-CN" altLang="en-US" sz="2000" dirty="0" smtClean="0"/>
-              <a:t> </a:t>
-            </a:r>
-            <a:r>
-              <a:rPr lang="en-US" altLang="zh-CN" sz="2000" dirty="0" smtClean="0"/>
-              <a:t>or</a:t>
-            </a:r>
-            <a:r>
-              <a:rPr lang="zh-CN" altLang="en-US" sz="2000" dirty="0" smtClean="0"/>
-              <a:t> </a:t>
-            </a:r>
-            <a:r>
-              <a:rPr lang="en-US" altLang="zh-CN" sz="2000" dirty="0" smtClean="0"/>
-              <a:t>it</a:t>
-            </a:r>
-            <a:r>
-              <a:rPr lang="zh-CN" altLang="en-US" sz="2000" dirty="0" smtClean="0"/>
-              <a:t> </a:t>
-            </a:r>
-            <a:r>
-              <a:rPr lang="en-US" altLang="zh-CN" sz="2000" dirty="0" smtClean="0"/>
-              <a:t>notices</a:t>
-            </a:r>
-            <a:r>
-              <a:rPr lang="zh-CN" altLang="en-US" sz="2000" dirty="0" smtClean="0"/>
-              <a:t> </a:t>
-            </a:r>
-            <a:r>
-              <a:rPr lang="en-US" altLang="zh-CN" sz="2000" dirty="0" smtClean="0"/>
-              <a:t>that</a:t>
-            </a:r>
-            <a:r>
-              <a:rPr lang="zh-CN" altLang="en-US" sz="2000" dirty="0" smtClean="0"/>
-              <a:t> </a:t>
-            </a:r>
-            <a:r>
-              <a:rPr lang="en-US" altLang="zh-CN" sz="2000" dirty="0" smtClean="0"/>
-              <a:t>the</a:t>
-            </a:r>
-            <a:r>
-              <a:rPr lang="zh-CN" altLang="en-US" sz="2000" dirty="0" smtClean="0"/>
-              <a:t> </a:t>
-            </a:r>
-            <a:r>
-              <a:rPr lang="en-US" altLang="zh-CN" sz="2000" dirty="0" smtClean="0"/>
-              <a:t>leader</a:t>
-            </a:r>
-            <a:r>
-              <a:rPr lang="zh-CN" altLang="en-US" sz="2000" dirty="0" smtClean="0"/>
-              <a:t> </a:t>
-            </a:r>
-            <a:r>
-              <a:rPr lang="en-US" altLang="zh-CN" sz="2000" dirty="0" smtClean="0"/>
-              <a:t>has</a:t>
-            </a:r>
-            <a:r>
-              <a:rPr lang="zh-CN" altLang="en-US" sz="2000" dirty="0" smtClean="0"/>
-              <a:t> </a:t>
-            </a:r>
-            <a:r>
-              <a:rPr lang="en-US" altLang="zh-CN" sz="2000" dirty="0" smtClean="0"/>
-              <a:t>failed.</a:t>
-            </a:r>
-          </a:p>
-          <a:p>
-            <a:pPr lvl="1"/>
-            <a:r>
-              <a:rPr lang="en-US" altLang="zh-CN" sz="2000" dirty="0" smtClean="0"/>
-              <a:t>The</a:t>
-            </a:r>
-            <a:r>
-              <a:rPr lang="zh-CN" altLang="en-US" sz="2000" dirty="0" smtClean="0"/>
-              <a:t> </a:t>
-            </a:r>
-            <a:r>
-              <a:rPr lang="en-US" altLang="zh-CN" sz="2000" dirty="0" smtClean="0"/>
-              <a:t>new</a:t>
-            </a:r>
-            <a:r>
-              <a:rPr lang="zh-CN" altLang="en-US" sz="2000" dirty="0" smtClean="0"/>
-              <a:t> </a:t>
-            </a:r>
-            <a:r>
-              <a:rPr lang="en-US" altLang="zh-CN" sz="2000" dirty="0" smtClean="0"/>
-              <a:t>election</a:t>
-            </a:r>
-            <a:r>
-              <a:rPr lang="zh-CN" altLang="en-US" sz="2000" dirty="0" smtClean="0"/>
-              <a:t> </a:t>
-            </a:r>
-            <a:r>
-              <a:rPr lang="en-US" altLang="zh-CN" sz="2000" dirty="0" smtClean="0"/>
-              <a:t>would</a:t>
-            </a:r>
-            <a:r>
-              <a:rPr lang="zh-CN" altLang="en-US" sz="2000" dirty="0" smtClean="0"/>
-              <a:t> </a:t>
-            </a:r>
-            <a:r>
-              <a:rPr lang="en-US" altLang="zh-CN" sz="2000" dirty="0" smtClean="0"/>
-              <a:t>only</a:t>
-            </a:r>
-            <a:r>
-              <a:rPr lang="zh-CN" altLang="en-US" sz="2000" dirty="0" smtClean="0"/>
-              <a:t> </a:t>
-            </a:r>
-            <a:r>
-              <a:rPr lang="en-US" altLang="zh-CN" sz="2000" dirty="0" smtClean="0"/>
-              <a:t>occur</a:t>
-            </a:r>
-            <a:r>
-              <a:rPr lang="zh-CN" altLang="en-US" sz="2000" dirty="0" smtClean="0"/>
-              <a:t> </a:t>
-            </a:r>
-            <a:r>
-              <a:rPr lang="en-US" altLang="zh-CN" sz="2000" dirty="0" smtClean="0"/>
-              <a:t>while</a:t>
-            </a:r>
-            <a:r>
-              <a:rPr lang="zh-CN" altLang="en-US" sz="2000" dirty="0" smtClean="0"/>
-              <a:t> </a:t>
-            </a:r>
-            <a:r>
-              <a:rPr lang="en-US" altLang="zh-CN" sz="2000" dirty="0" smtClean="0"/>
-              <a:t>the</a:t>
-            </a:r>
-            <a:r>
-              <a:rPr lang="zh-CN" altLang="en-US" sz="2000" dirty="0" smtClean="0"/>
-              <a:t> </a:t>
-            </a:r>
-            <a:r>
-              <a:rPr lang="en-US" altLang="zh-CN" sz="2000" dirty="0" smtClean="0"/>
-              <a:t>new</a:t>
-            </a:r>
-            <a:r>
-              <a:rPr lang="zh-CN" altLang="en-US" sz="2000" dirty="0" smtClean="0"/>
-              <a:t> </a:t>
-            </a:r>
-            <a:r>
-              <a:rPr lang="en-US" altLang="zh-CN" sz="2000" dirty="0" smtClean="0"/>
-              <a:t>plugged-in</a:t>
-            </a:r>
-            <a:r>
-              <a:rPr lang="zh-CN" altLang="en-US" sz="2000" dirty="0" smtClean="0"/>
-              <a:t> </a:t>
-            </a:r>
-            <a:r>
-              <a:rPr lang="en-US" altLang="zh-CN" sz="2000" dirty="0" smtClean="0"/>
-              <a:t>device’s</a:t>
-            </a:r>
-            <a:r>
-              <a:rPr lang="zh-CN" altLang="en-US" sz="2000" dirty="0" smtClean="0"/>
-              <a:t> </a:t>
-            </a:r>
-            <a:r>
-              <a:rPr lang="en-US" altLang="zh-CN" sz="2000" dirty="0" smtClean="0"/>
-              <a:t>address</a:t>
-            </a:r>
-            <a:r>
-              <a:rPr lang="zh-CN" altLang="en-US" sz="2000" dirty="0" smtClean="0"/>
-              <a:t> </a:t>
-            </a:r>
-            <a:r>
-              <a:rPr lang="en-US" altLang="zh-CN" sz="2000" dirty="0" smtClean="0"/>
-              <a:t>is</a:t>
-            </a:r>
-            <a:r>
-              <a:rPr lang="zh-CN" altLang="en-US" sz="2000" dirty="0" smtClean="0"/>
-              <a:t> </a:t>
-            </a:r>
-            <a:r>
-              <a:rPr lang="en-US" altLang="zh-CN" sz="2000" dirty="0" smtClean="0"/>
-              <a:t>higher</a:t>
-            </a:r>
-            <a:r>
-              <a:rPr lang="zh-CN" altLang="en-US" sz="2000" dirty="0" smtClean="0"/>
-              <a:t> </a:t>
-            </a:r>
-            <a:r>
-              <a:rPr lang="en-US" altLang="zh-CN" sz="2000" dirty="0" smtClean="0"/>
-              <a:t>than</a:t>
-            </a:r>
-            <a:r>
-              <a:rPr lang="zh-CN" altLang="en-US" sz="2000" dirty="0" smtClean="0"/>
-              <a:t> </a:t>
-            </a:r>
-            <a:r>
-              <a:rPr lang="en-US" altLang="zh-CN" sz="2000" dirty="0" smtClean="0"/>
-              <a:t>the</a:t>
-            </a:r>
-            <a:r>
-              <a:rPr lang="zh-CN" altLang="en-US" sz="2000" dirty="0" smtClean="0"/>
-              <a:t> </a:t>
-            </a:r>
-            <a:r>
-              <a:rPr lang="en-US" altLang="zh-CN" sz="2000" dirty="0" smtClean="0"/>
-              <a:t>current</a:t>
-            </a:r>
-            <a:r>
-              <a:rPr lang="zh-CN" altLang="en-US" sz="2000" dirty="0" smtClean="0"/>
-              <a:t> </a:t>
-            </a:r>
-            <a:r>
-              <a:rPr lang="en-US" altLang="zh-CN" sz="2000" dirty="0" smtClean="0"/>
-              <a:t>leader’s.</a:t>
-            </a:r>
-            <a:r>
-              <a:rPr lang="zh-CN" altLang="en-US" sz="2000" dirty="0" smtClean="0"/>
-              <a:t> </a:t>
-            </a:r>
-            <a:endParaRPr lang="en-US" altLang="zh-CN" sz="2000" dirty="0" smtClean="0"/>
-          </a:p>
-          <a:p>
-            <a:r>
-              <a:rPr lang="en-US" altLang="zh-CN" sz="2800" dirty="0" err="1" smtClean="0"/>
-              <a:t>Xbee</a:t>
-            </a:r>
-            <a:r>
-              <a:rPr lang="zh-CN" altLang="en-US" sz="2800" dirty="0" smtClean="0"/>
-              <a:t> </a:t>
-            </a:r>
-            <a:r>
-              <a:rPr lang="en-US" altLang="zh-CN" sz="2800" dirty="0" smtClean="0"/>
-              <a:t>Mode</a:t>
-            </a:r>
-          </a:p>
-          <a:p>
-            <a:pPr lvl="1"/>
-            <a:r>
-              <a:rPr lang="en-US" altLang="zh-CN" sz="2000" dirty="0" smtClean="0"/>
-              <a:t>We</a:t>
-            </a:r>
-            <a:r>
-              <a:rPr lang="zh-CN" altLang="en-US" sz="2000" dirty="0" smtClean="0"/>
-              <a:t> </a:t>
-            </a:r>
-            <a:r>
-              <a:rPr lang="en-US" altLang="zh-CN" sz="2000" dirty="0" smtClean="0"/>
-              <a:t>choose</a:t>
-            </a:r>
-            <a:r>
-              <a:rPr lang="zh-CN" altLang="en-US" sz="2000" dirty="0" smtClean="0"/>
-              <a:t> </a:t>
-            </a:r>
-            <a:r>
-              <a:rPr lang="en-US" altLang="zh-CN" sz="2000" dirty="0" smtClean="0"/>
-              <a:t>the</a:t>
-            </a:r>
-            <a:r>
-              <a:rPr lang="zh-CN" altLang="en-US" sz="2000" dirty="0" smtClean="0"/>
-              <a:t> </a:t>
-            </a:r>
-            <a:r>
-              <a:rPr lang="en-US" altLang="zh-CN" sz="2000" dirty="0" smtClean="0"/>
-              <a:t>API</a:t>
-            </a:r>
-            <a:r>
-              <a:rPr lang="zh-CN" altLang="en-US" sz="2000" dirty="0" smtClean="0"/>
-              <a:t> </a:t>
-            </a:r>
-            <a:r>
-              <a:rPr lang="en-US" altLang="zh-CN" sz="2000" dirty="0" smtClean="0"/>
-              <a:t>mode</a:t>
-            </a:r>
-            <a:r>
-              <a:rPr lang="zh-CN" altLang="en-US" sz="2000" dirty="0" smtClean="0"/>
-              <a:t> </a:t>
-            </a:r>
-            <a:r>
-              <a:rPr lang="en-US" altLang="zh-CN" sz="2000" dirty="0" smtClean="0"/>
-              <a:t>to</a:t>
-            </a:r>
-            <a:r>
-              <a:rPr lang="zh-CN" altLang="en-US" sz="2000" dirty="0" smtClean="0"/>
-              <a:t> </a:t>
-            </a:r>
-            <a:r>
-              <a:rPr lang="en-US" altLang="zh-CN" sz="2000" dirty="0" smtClean="0"/>
-              <a:t>implement</a:t>
-            </a:r>
-            <a:r>
-              <a:rPr lang="zh-CN" altLang="en-US" sz="2000" dirty="0" smtClean="0"/>
-              <a:t> </a:t>
-            </a:r>
-            <a:r>
-              <a:rPr lang="en-US" altLang="zh-CN" sz="2000" dirty="0" smtClean="0"/>
-              <a:t>the</a:t>
-            </a:r>
-            <a:r>
-              <a:rPr lang="zh-CN" altLang="en-US" sz="2000" dirty="0" smtClean="0"/>
-              <a:t> </a:t>
-            </a:r>
-            <a:r>
-              <a:rPr lang="en-US" altLang="zh-CN" sz="2000" dirty="0" smtClean="0"/>
-              <a:t>algorithm</a:t>
-            </a:r>
-          </a:p>
-          <a:p>
-            <a:endParaRPr lang="en-US" altLang="zh-CN" dirty="0" smtClean="0"/>
-          </a:p>
-          <a:p>
-            <a:pPr lvl="1"/>
-            <a:endParaRPr lang="en-US" dirty="0"/>
-          </a:p>
-        </p:txBody>
-      </p:sp>
+      </p:pic>
     </p:spTree>
     <p:extLst>
       <p:ext uri="{BB962C8B-B14F-4D97-AF65-F5344CB8AC3E}">
-        <p14:creationId xmlns:p14="http://schemas.microsoft.com/office/powerpoint/2010/main" val="1555244167"/>
+        <p14:creationId xmlns:p14="http://schemas.microsoft.com/office/powerpoint/2010/main" val="994777408"/>
       </p:ext>
     </p:extLst>
   </p:cSld>
   <p:clrMapOvr>
     <a:masterClrMapping/>
   </p:clrMapOvr>
+  <p:timing>
+    <p:tnLst>
+      <p:par>
+        <p:cTn id="1" dur="indefinite" restart="never" nodeType="tmRoot"/>
+      </p:par>
+    </p:tnLst>
+  </p:timing>
 </p:sld>
 </file>
 
@@ -8628,388 +8861,91 @@
           <a:chExt cx="0" cy="0"/>
         </a:xfrm>
       </p:grpSpPr>
-      <p:sp>
-        <p:nvSpPr>
-          <p:cNvPr id="2" name="Title 1"/>
-          <p:cNvSpPr>
-            <a:spLocks noGrp="1"/>
-          </p:cNvSpPr>
-          <p:nvPr>
-            <p:ph type="title"/>
-          </p:nvPr>
-        </p:nvSpPr>
+      <p:pic>
+        <p:nvPicPr>
+          <p:cNvPr id="4" name="Picture 3"/>
+          <p:cNvPicPr>
+            <a:picLocks noChangeAspect="1"/>
+          </p:cNvPicPr>
+          <p:nvPr/>
+        </p:nvPicPr>
+        <p:blipFill>
+          <a:blip r:embed="rId2">
+            <a:extLst>
+              <a:ext uri="{28A0092B-C50C-407E-A947-70E740481C1C}">
+                <a14:useLocalDpi xmlns:a14="http://schemas.microsoft.com/office/drawing/2010/main" val="0"/>
+              </a:ext>
+            </a:extLst>
+          </a:blip>
+          <a:stretch>
+            <a:fillRect/>
+          </a:stretch>
+        </p:blipFill>
         <p:spPr>
           <a:xfrm>
-            <a:off x="863601" y="190500"/>
-            <a:ext cx="10131425" cy="1456267"/>
+            <a:off x="1587500" y="1358900"/>
+            <a:ext cx="9004300" cy="5041764"/>
           </a:xfrm>
+          <a:prstGeom prst="rect">
+            <a:avLst/>
+          </a:prstGeom>
         </p:spPr>
-        <p:txBody>
-          <a:bodyPr/>
-          <a:lstStyle/>
-          <a:p>
-            <a:pPr algn="ctr"/>
-            <a:r>
-              <a:rPr lang="en-US" altLang="zh-CN" dirty="0" smtClean="0"/>
-              <a:t>Challenge</a:t>
-            </a:r>
-            <a:r>
-              <a:rPr lang="zh-CN" altLang="en-US" dirty="0" smtClean="0"/>
-              <a:t> </a:t>
-            </a:r>
-            <a:r>
-              <a:rPr lang="en-US" altLang="zh-CN" dirty="0" smtClean="0"/>
-              <a:t>&amp;</a:t>
-            </a:r>
-            <a:r>
-              <a:rPr lang="zh-CN" altLang="en-US" dirty="0" smtClean="0"/>
-              <a:t> </a:t>
-            </a:r>
-            <a:r>
-              <a:rPr lang="en-US" altLang="zh-CN" dirty="0" smtClean="0"/>
-              <a:t>future</a:t>
-            </a:r>
-            <a:r>
-              <a:rPr lang="zh-CN" altLang="en-US" dirty="0" smtClean="0"/>
-              <a:t> </a:t>
-            </a:r>
-            <a:r>
-              <a:rPr lang="en-US" altLang="zh-CN" dirty="0" smtClean="0"/>
-              <a:t>improvement</a:t>
-            </a:r>
-            <a:endParaRPr lang="en-US" dirty="0"/>
-          </a:p>
-        </p:txBody>
-      </p:sp>
-      <p:sp>
-        <p:nvSpPr>
-          <p:cNvPr id="3" name="Content Placeholder 2"/>
-          <p:cNvSpPr>
-            <a:spLocks noGrp="1"/>
-          </p:cNvSpPr>
-          <p:nvPr>
-            <p:ph idx="1"/>
-          </p:nvPr>
+      </p:pic>
+      <p:sp>
+        <p:nvSpPr>
+          <p:cNvPr id="5" name="TextBox 4"/>
+          <p:cNvSpPr txBox="1"/>
+          <p:nvPr/>
         </p:nvSpPr>
         <p:spPr>
           <a:xfrm>
-            <a:off x="863601" y="1646767"/>
-            <a:ext cx="10131425" cy="4652433"/>
+            <a:off x="5475187" y="381000"/>
+            <a:ext cx="1228926" cy="584775"/>
           </a:xfrm>
+          <a:prstGeom prst="rect">
+            <a:avLst/>
+          </a:prstGeom>
+          <a:noFill/>
         </p:spPr>
         <p:txBody>
-          <a:bodyPr>
-            <a:normAutofit/>
+          <a:bodyPr wrap="none" rtlCol="0">
+            <a:spAutoFit/>
           </a:bodyPr>
           <a:lstStyle/>
           <a:p>
             <a:r>
-              <a:rPr lang="en-US" altLang="zh-CN" sz="2800" dirty="0" smtClean="0"/>
-              <a:t>Challenges:</a:t>
-            </a:r>
-          </a:p>
-          <a:p>
-            <a:pPr lvl="1"/>
-            <a:r>
-              <a:rPr lang="en-US" altLang="zh-CN" sz="2000" dirty="0" smtClean="0"/>
-              <a:t>Configure</a:t>
-            </a:r>
-            <a:r>
-              <a:rPr lang="zh-CN" altLang="en-US" sz="2000" dirty="0" smtClean="0"/>
-              <a:t> </a:t>
-            </a:r>
-            <a:r>
-              <a:rPr lang="en-US" altLang="zh-CN" sz="2000" dirty="0" smtClean="0"/>
-              <a:t>the</a:t>
-            </a:r>
-            <a:r>
-              <a:rPr lang="zh-CN" altLang="en-US" sz="2000" dirty="0" smtClean="0"/>
-              <a:t> </a:t>
-            </a:r>
-            <a:r>
-              <a:rPr lang="en-US" altLang="zh-CN" sz="2000" dirty="0" err="1" smtClean="0"/>
-              <a:t>Xbees</a:t>
-            </a:r>
-            <a:r>
-              <a:rPr lang="en-US" altLang="zh-CN" sz="2000" dirty="0" smtClean="0"/>
-              <a:t>,</a:t>
-            </a:r>
-            <a:r>
-              <a:rPr lang="zh-CN" altLang="en-US" sz="2000" dirty="0" smtClean="0"/>
-              <a:t> </a:t>
-            </a:r>
-            <a:r>
-              <a:rPr lang="en-US" altLang="zh-CN" sz="2000" dirty="0" smtClean="0"/>
-              <a:t>solve</a:t>
-            </a:r>
-            <a:r>
-              <a:rPr lang="zh-CN" altLang="en-US" sz="2000" dirty="0" smtClean="0"/>
-              <a:t> </a:t>
-            </a:r>
-            <a:r>
-              <a:rPr lang="en-US" altLang="zh-CN" sz="2000" dirty="0" smtClean="0"/>
-              <a:t>the</a:t>
-            </a:r>
-            <a:r>
-              <a:rPr lang="zh-CN" altLang="en-US" sz="2000" dirty="0" smtClean="0"/>
-              <a:t> </a:t>
-            </a:r>
-            <a:r>
-              <a:rPr lang="en-US" altLang="zh-CN" sz="2000" dirty="0" smtClean="0"/>
-              <a:t>communication</a:t>
-            </a:r>
-            <a:r>
-              <a:rPr lang="zh-CN" altLang="en-US" sz="2000" dirty="0" smtClean="0"/>
-              <a:t> </a:t>
-            </a:r>
-            <a:r>
-              <a:rPr lang="en-US" altLang="zh-CN" sz="2000" dirty="0" smtClean="0"/>
-              <a:t>problem.</a:t>
-            </a:r>
-          </a:p>
-          <a:p>
-            <a:pPr lvl="1"/>
-            <a:r>
-              <a:rPr lang="en-US" altLang="zh-CN" sz="2000" dirty="0" smtClean="0"/>
-              <a:t>Solving</a:t>
-            </a:r>
-            <a:r>
-              <a:rPr lang="zh-CN" altLang="en-US" sz="2000" dirty="0" smtClean="0"/>
-              <a:t> </a:t>
-            </a:r>
-            <a:r>
-              <a:rPr lang="en-US" altLang="zh-CN" sz="2000" dirty="0" smtClean="0"/>
-              <a:t>the</a:t>
-            </a:r>
-            <a:r>
-              <a:rPr lang="zh-CN" altLang="en-US" sz="2000" dirty="0"/>
-              <a:t> </a:t>
-            </a:r>
-            <a:r>
-              <a:rPr lang="en-US" altLang="zh-CN" sz="2000" dirty="0" smtClean="0"/>
-              <a:t>problems</a:t>
-            </a:r>
-            <a:r>
-              <a:rPr lang="zh-CN" altLang="en-US" sz="2000" dirty="0" smtClean="0"/>
-              <a:t> </a:t>
-            </a:r>
-            <a:r>
-              <a:rPr lang="en-US" altLang="zh-CN" sz="2000" dirty="0" smtClean="0"/>
-              <a:t>when</a:t>
-            </a:r>
-            <a:r>
-              <a:rPr lang="zh-CN" altLang="en-US" sz="2000" dirty="0" smtClean="0"/>
-              <a:t> </a:t>
-            </a:r>
-            <a:r>
-              <a:rPr lang="en-US" altLang="zh-CN" sz="2000" dirty="0" smtClean="0"/>
-              <a:t>integrating</a:t>
-            </a:r>
-            <a:r>
-              <a:rPr lang="zh-CN" altLang="en-US" sz="2000" dirty="0" smtClean="0"/>
-              <a:t> </a:t>
-            </a:r>
-            <a:r>
-              <a:rPr lang="en-US" altLang="zh-CN" sz="2000" dirty="0" smtClean="0"/>
-              <a:t>all</a:t>
-            </a:r>
-            <a:r>
-              <a:rPr lang="zh-CN" altLang="en-US" sz="2000" dirty="0" smtClean="0"/>
-              <a:t> </a:t>
-            </a:r>
-            <a:r>
-              <a:rPr lang="en-US" altLang="zh-CN" sz="2000" dirty="0" smtClean="0"/>
-              <a:t>the</a:t>
-            </a:r>
-            <a:r>
-              <a:rPr lang="zh-CN" altLang="en-US" sz="2000" dirty="0" smtClean="0"/>
-              <a:t> </a:t>
-            </a:r>
-            <a:r>
-              <a:rPr lang="en-US" altLang="zh-CN" sz="2000" dirty="0" smtClean="0"/>
-              <a:t>components</a:t>
-            </a:r>
-            <a:r>
-              <a:rPr lang="zh-CN" altLang="en-US" sz="2000" dirty="0" smtClean="0"/>
-              <a:t> </a:t>
-            </a:r>
-            <a:r>
-              <a:rPr lang="en-US" altLang="zh-CN" sz="2000" dirty="0" smtClean="0"/>
-              <a:t>together.</a:t>
-            </a:r>
-          </a:p>
-          <a:p>
-            <a:pPr lvl="1"/>
-            <a:r>
-              <a:rPr lang="en-US" altLang="zh-CN" sz="2000" dirty="0" smtClean="0"/>
-              <a:t>Coding</a:t>
-            </a:r>
-            <a:r>
-              <a:rPr lang="zh-CN" altLang="en-US" sz="2000" dirty="0" smtClean="0"/>
-              <a:t> </a:t>
-            </a:r>
-            <a:r>
-              <a:rPr lang="en-US" altLang="zh-CN" sz="2000" dirty="0" smtClean="0"/>
-              <a:t>and</a:t>
-            </a:r>
-            <a:r>
-              <a:rPr lang="zh-CN" altLang="en-US" sz="2000" dirty="0" smtClean="0"/>
-              <a:t> </a:t>
-            </a:r>
-            <a:r>
-              <a:rPr lang="en-US" altLang="zh-CN" sz="2000" dirty="0" smtClean="0"/>
-              <a:t>testing</a:t>
-            </a:r>
-            <a:r>
-              <a:rPr lang="zh-CN" altLang="en-US" sz="2000" dirty="0" smtClean="0"/>
-              <a:t> </a:t>
-            </a:r>
-            <a:r>
-              <a:rPr lang="en-US" altLang="zh-CN" sz="2000" dirty="0" smtClean="0"/>
-              <a:t>the</a:t>
-            </a:r>
-            <a:r>
-              <a:rPr lang="zh-CN" altLang="en-US" sz="2000" dirty="0" smtClean="0"/>
-              <a:t> </a:t>
-            </a:r>
-            <a:r>
-              <a:rPr lang="en-US" altLang="zh-CN" sz="2000" dirty="0" smtClean="0"/>
-              <a:t>algorithm.</a:t>
-            </a:r>
-            <a:endParaRPr lang="en-US" altLang="zh-CN" sz="2000" dirty="0"/>
-          </a:p>
-          <a:p>
-            <a:r>
-              <a:rPr lang="en-US" altLang="zh-CN" sz="2800" dirty="0" smtClean="0"/>
-              <a:t>Improvement:</a:t>
-            </a:r>
-          </a:p>
-          <a:p>
-            <a:pPr lvl="1"/>
-            <a:r>
-              <a:rPr lang="en-US" altLang="zh-CN" sz="2000" dirty="0" smtClean="0"/>
-              <a:t>Lower</a:t>
-            </a:r>
-            <a:r>
-              <a:rPr lang="zh-CN" altLang="en-US" sz="2000" dirty="0" smtClean="0"/>
-              <a:t> </a:t>
-            </a:r>
-            <a:r>
-              <a:rPr lang="en-US" altLang="zh-CN" sz="2000" dirty="0" smtClean="0"/>
-              <a:t>latency</a:t>
-            </a:r>
-          </a:p>
-          <a:p>
-            <a:pPr lvl="1"/>
-            <a:r>
-              <a:rPr lang="en-US" altLang="zh-CN" sz="2000" dirty="0" smtClean="0"/>
-              <a:t>When</a:t>
-            </a:r>
-            <a:r>
-              <a:rPr lang="zh-CN" altLang="en-US" sz="2000" dirty="0" smtClean="0"/>
-              <a:t> </a:t>
-            </a:r>
-            <a:r>
-              <a:rPr lang="en-US" altLang="zh-CN" sz="2000" dirty="0" smtClean="0"/>
-              <a:t>leader</a:t>
-            </a:r>
-            <a:r>
-              <a:rPr lang="zh-CN" altLang="en-US" sz="2000" dirty="0" smtClean="0"/>
-              <a:t> </a:t>
-            </a:r>
-            <a:r>
-              <a:rPr lang="en-US" altLang="zh-CN" sz="2000" dirty="0" smtClean="0"/>
-              <a:t>re-plug-in</a:t>
-            </a:r>
-            <a:r>
-              <a:rPr lang="zh-CN" altLang="en-US" sz="2000" dirty="0" smtClean="0"/>
-              <a:t> </a:t>
-            </a:r>
-            <a:r>
-              <a:rPr lang="en-US" altLang="zh-CN" sz="2000" dirty="0" smtClean="0"/>
-              <a:t>to</a:t>
-            </a:r>
-            <a:r>
-              <a:rPr lang="zh-CN" altLang="en-US" sz="2000" dirty="0" smtClean="0"/>
-              <a:t> </a:t>
-            </a:r>
-            <a:r>
-              <a:rPr lang="en-US" altLang="zh-CN" sz="2000" dirty="0" smtClean="0"/>
-              <a:t>the</a:t>
-            </a:r>
-            <a:r>
-              <a:rPr lang="zh-CN" altLang="en-US" sz="2000" dirty="0" smtClean="0"/>
-              <a:t> </a:t>
-            </a:r>
-            <a:r>
-              <a:rPr lang="en-US" altLang="zh-CN" sz="2000" dirty="0" smtClean="0"/>
-              <a:t>network,</a:t>
-            </a:r>
-            <a:r>
-              <a:rPr lang="zh-CN" altLang="en-US" sz="2000" dirty="0" smtClean="0"/>
-              <a:t> </a:t>
-            </a:r>
-            <a:r>
-              <a:rPr lang="en-US" altLang="zh-CN" sz="2000" dirty="0" smtClean="0"/>
-              <a:t>the</a:t>
-            </a:r>
-            <a:r>
-              <a:rPr lang="zh-CN" altLang="en-US" sz="2000" dirty="0" smtClean="0"/>
-              <a:t> </a:t>
-            </a:r>
-            <a:r>
-              <a:rPr lang="en-US" altLang="zh-CN" sz="2000" dirty="0" smtClean="0"/>
-              <a:t>processing</a:t>
-            </a:r>
-            <a:r>
-              <a:rPr lang="zh-CN" altLang="en-US" sz="2000" dirty="0" smtClean="0"/>
-              <a:t> </a:t>
-            </a:r>
-            <a:r>
-              <a:rPr lang="en-US" altLang="zh-CN" sz="2000" dirty="0" smtClean="0"/>
-              <a:t>time</a:t>
-            </a:r>
-            <a:r>
-              <a:rPr lang="zh-CN" altLang="en-US" sz="2000" dirty="0" smtClean="0"/>
-              <a:t> </a:t>
-            </a:r>
-            <a:r>
-              <a:rPr lang="en-US" altLang="zh-CN" sz="2000" dirty="0" smtClean="0"/>
-              <a:t>can</a:t>
-            </a:r>
-            <a:r>
-              <a:rPr lang="zh-CN" altLang="en-US" sz="2000" dirty="0" smtClean="0"/>
-              <a:t> </a:t>
-            </a:r>
-            <a:r>
-              <a:rPr lang="en-US" altLang="zh-CN" sz="2000" dirty="0" smtClean="0"/>
-              <a:t>be</a:t>
-            </a:r>
-            <a:r>
-              <a:rPr lang="zh-CN" altLang="en-US" sz="2000" dirty="0"/>
-              <a:t> </a:t>
-            </a:r>
-            <a:r>
-              <a:rPr lang="en-US" altLang="zh-CN" sz="2000" dirty="0" smtClean="0"/>
-              <a:t>reduced.</a:t>
-            </a:r>
-          </a:p>
-          <a:p>
-            <a:pPr lvl="1"/>
-            <a:endParaRPr lang="en-US" altLang="zh-CN" sz="2000" dirty="0"/>
+              <a:rPr lang="en-US" altLang="zh-CN" sz="3200" dirty="0" smtClean="0"/>
+              <a:t>Step</a:t>
+            </a:r>
+            <a:r>
+              <a:rPr lang="zh-CN" altLang="en-US" sz="3200" dirty="0" smtClean="0"/>
+              <a:t> </a:t>
+            </a:r>
+            <a:r>
+              <a:rPr lang="en-US" altLang="zh-CN" sz="3200" dirty="0" smtClean="0"/>
+              <a:t>2</a:t>
+            </a:r>
+            <a:endParaRPr lang="en-US" sz="3200" dirty="0"/>
           </a:p>
         </p:txBody>
       </p:sp>
     </p:spTree>
     <p:extLst>
       <p:ext uri="{BB962C8B-B14F-4D97-AF65-F5344CB8AC3E}">
-        <p14:creationId xmlns:p14="http://schemas.microsoft.com/office/powerpoint/2010/main" val="1412635519"/>
+        <p14:creationId xmlns:p14="http://schemas.microsoft.com/office/powerpoint/2010/main" val="1638187554"/>
       </p:ext>
     </p:extLst>
   </p:cSld>
   <p:clrMapOvr>
     <a:masterClrMapping/>
   </p:clrMapOvr>
+  <p:timing>
+    <p:tnLst>
+      <p:par>
+        <p:cTn id="1" dur="indefinite" restart="never" nodeType="tmRoot"/>
+      </p:par>
+    </p:tnLst>
+  </p:timing>
 </p:sld>
 </file>
 
@@ -9032,217 +8968,83 @@
       </p:grpSpPr>
       <p:sp>
         <p:nvSpPr>
-          <p:cNvPr id="4" name="Rectangle 3"/>
-          <p:cNvSpPr/>
-          <p:nvPr/>
+          <p:cNvPr id="2" name="Title 1"/>
+          <p:cNvSpPr>
+            <a:spLocks noGrp="1"/>
+          </p:cNvSpPr>
+          <p:nvPr>
+            <p:ph type="title"/>
+          </p:nvPr>
         </p:nvSpPr>
         <p:spPr>
           <a:xfrm>
-            <a:off x="3220822" y="2459335"/>
-            <a:ext cx="5166158" cy="1323439"/>
+            <a:off x="685800" y="0"/>
+            <a:ext cx="10131425" cy="1214967"/>
+          </a:xfrm>
+        </p:spPr>
+        <p:txBody>
+          <a:bodyPr/>
+          <a:lstStyle/>
+          <a:p>
+            <a:pPr algn="ctr"/>
+            <a:r>
+              <a:rPr lang="en-US" altLang="zh-CN" dirty="0" smtClean="0"/>
+              <a:t>Read</a:t>
+            </a:r>
+            <a:r>
+              <a:rPr lang="zh-CN" altLang="en-US" dirty="0" smtClean="0"/>
+              <a:t> </a:t>
+            </a:r>
+            <a:r>
+              <a:rPr lang="en-US" altLang="zh-CN" dirty="0" smtClean="0"/>
+              <a:t>and</a:t>
+            </a:r>
+            <a:r>
+              <a:rPr lang="zh-CN" altLang="en-US" dirty="0" smtClean="0"/>
+              <a:t> </a:t>
+            </a:r>
+            <a:r>
+              <a:rPr lang="en-US" altLang="zh-CN" dirty="0" smtClean="0"/>
+              <a:t>handle</a:t>
+            </a:r>
+            <a:endParaRPr lang="en-US" dirty="0"/>
+          </a:p>
+        </p:txBody>
+      </p:sp>
+      <p:pic>
+        <p:nvPicPr>
+          <p:cNvPr id="4" name="Picture 3"/>
+          <p:cNvPicPr>
+            <a:picLocks noChangeAspect="1"/>
+          </p:cNvPicPr>
+          <p:nvPr/>
+        </p:nvPicPr>
+        <p:blipFill>
+          <a:blip r:embed="rId2">
+            <a:extLst>
+              <a:ext uri="{28A0092B-C50C-407E-A947-70E740481C1C}">
+                <a14:useLocalDpi xmlns:a14="http://schemas.microsoft.com/office/drawing/2010/main" val="0"/>
+              </a:ext>
+            </a:extLst>
+          </a:blip>
+          <a:stretch>
+            <a:fillRect/>
+          </a:stretch>
+        </p:blipFill>
+        <p:spPr>
+          <a:xfrm>
+            <a:off x="2081212" y="928406"/>
+            <a:ext cx="7340600" cy="5561294"/>
           </a:xfrm>
           <a:prstGeom prst="rect">
             <a:avLst/>
           </a:prstGeom>
-          <a:noFill/>
         </p:spPr>
-        <p:txBody>
-          <a:bodyPr wrap="none" lIns="91440" tIns="45720" rIns="91440" bIns="45720">
-            <a:spAutoFit/>
-          </a:bodyPr>
-          <a:lstStyle/>
-          <a:p>
-            <a:pPr algn="ctr"/>
-            <a:r>
-              <a:rPr lang="en-US" altLang="zh-CN" sz="8000" b="1" dirty="0" smtClean="0">
-                <a:ln w="12700">
-                  <a:solidFill>
-                    <a:schemeClr val="tx2">
-                      <a:lumMod val="75000"/>
-                    </a:schemeClr>
-                  </a:solidFill>
-                  <a:prstDash val="solid"/>
-                </a:ln>
-                <a:pattFill prst="dkUpDiag">
-                  <a:fgClr>
-                    <a:schemeClr val="tx2"/>
-                  </a:fgClr>
-                  <a:bgClr>
-                    <a:schemeClr val="tx2">
-                      <a:lumMod val="20000"/>
-                      <a:lumOff val="80000"/>
-                    </a:schemeClr>
-                  </a:bgClr>
-                </a:pattFill>
-                <a:effectLst>
-                  <a:outerShdw dist="38100" dir="2640000" algn="bl" rotWithShape="0">
-                    <a:schemeClr val="tx2">
-                      <a:lumMod val="75000"/>
-                    </a:schemeClr>
-                  </a:outerShdw>
-                </a:effectLst>
-              </a:rPr>
-              <a:t>Thank</a:t>
-            </a:r>
-            <a:r>
-              <a:rPr lang="zh-CN" altLang="en-US" sz="8000" b="1" dirty="0" smtClean="0">
-                <a:ln w="12700">
-                  <a:solidFill>
-                    <a:schemeClr val="tx2">
-                      <a:lumMod val="75000"/>
-                    </a:schemeClr>
-                  </a:solidFill>
-                  <a:prstDash val="solid"/>
-                </a:ln>
-                <a:pattFill prst="dkUpDiag">
-                  <a:fgClr>
-                    <a:schemeClr val="tx2"/>
-                  </a:fgClr>
-                  <a:bgClr>
-                    <a:schemeClr val="tx2">
-                      <a:lumMod val="20000"/>
-                      <a:lumOff val="80000"/>
-                    </a:schemeClr>
-                  </a:bgClr>
-                </a:pattFill>
-                <a:effectLst>
-                  <a:outerShdw dist="38100" dir="2640000" algn="bl" rotWithShape="0">
-                    <a:schemeClr val="tx2">
-                      <a:lumMod val="75000"/>
-                    </a:schemeClr>
-                  </a:outerShdw>
-                </a:effectLst>
-              </a:rPr>
-              <a:t> </a:t>
-            </a:r>
-            <a:r>
-              <a:rPr lang="en-US" altLang="zh-CN" sz="8000" b="1" dirty="0" smtClean="0">
-                <a:ln w="12700">
-                  <a:solidFill>
-                    <a:schemeClr val="tx2">
-                      <a:lumMod val="75000"/>
-                    </a:schemeClr>
-                  </a:solidFill>
-                  <a:prstDash val="solid"/>
-                </a:ln>
-                <a:pattFill prst="dkUpDiag">
-                  <a:fgClr>
-                    <a:schemeClr val="tx2"/>
-                  </a:fgClr>
-                  <a:bgClr>
-                    <a:schemeClr val="tx2">
-                      <a:lumMod val="20000"/>
-                      <a:lumOff val="80000"/>
-                    </a:schemeClr>
-                  </a:bgClr>
-                </a:pattFill>
-                <a:effectLst>
-                  <a:outerShdw dist="38100" dir="2640000" algn="bl" rotWithShape="0">
-                    <a:schemeClr val="tx2">
-                      <a:lumMod val="75000"/>
-                    </a:schemeClr>
-                  </a:outerShdw>
-                </a:effectLst>
-              </a:rPr>
-              <a:t>you</a:t>
-            </a:r>
-            <a:r>
-              <a:rPr lang="zh-CN" altLang="en-US" sz="8000" b="1" dirty="0">
-                <a:ln w="12700">
-                  <a:solidFill>
-                    <a:schemeClr val="tx2">
-                      <a:lumMod val="75000"/>
-                    </a:schemeClr>
-                  </a:solidFill>
-                  <a:prstDash val="solid"/>
-                </a:ln>
-                <a:pattFill prst="dkUpDiag">
-                  <a:fgClr>
-                    <a:schemeClr val="tx2"/>
-                  </a:fgClr>
-                  <a:bgClr>
-                    <a:schemeClr val="tx2">
-                      <a:lumMod val="20000"/>
-                      <a:lumOff val="80000"/>
-                    </a:schemeClr>
-                  </a:bgClr>
-                </a:pattFill>
-                <a:effectLst>
-                  <a:outerShdw dist="38100" dir="2640000" algn="bl" rotWithShape="0">
-                    <a:schemeClr val="tx2">
-                      <a:lumMod val="75000"/>
-                    </a:schemeClr>
-                  </a:outerShdw>
-                </a:effectLst>
-              </a:rPr>
-              <a:t> </a:t>
-            </a:r>
-            <a:r>
-              <a:rPr lang="en-US" altLang="zh-CN" sz="8000" b="1" dirty="0" smtClean="0">
-                <a:ln w="12700">
-                  <a:solidFill>
-                    <a:schemeClr val="tx2">
-                      <a:lumMod val="75000"/>
-                    </a:schemeClr>
-                  </a:solidFill>
-                  <a:prstDash val="solid"/>
-                </a:ln>
-                <a:pattFill prst="dkUpDiag">
-                  <a:fgClr>
-                    <a:schemeClr val="tx2"/>
-                  </a:fgClr>
-                  <a:bgClr>
-                    <a:schemeClr val="tx2">
-                      <a:lumMod val="20000"/>
-                      <a:lumOff val="80000"/>
-                    </a:schemeClr>
-                  </a:bgClr>
-                </a:pattFill>
-                <a:effectLst>
-                  <a:outerShdw dist="38100" dir="2640000" algn="bl" rotWithShape="0">
-                    <a:schemeClr val="tx2">
-                      <a:lumMod val="75000"/>
-                    </a:schemeClr>
-                  </a:outerShdw>
-                </a:effectLst>
-              </a:rPr>
-              <a:t>!</a:t>
-            </a:r>
-            <a:endParaRPr lang="en-US" altLang="zh-CN" sz="8000" b="1" cap="none" spc="0" dirty="0">
-              <a:ln w="12700">
-                <a:solidFill>
-                  <a:schemeClr val="tx2">
-                    <a:lumMod val="75000"/>
-                  </a:schemeClr>
-                </a:solidFill>
-                <a:prstDash val="solid"/>
-              </a:ln>
-              <a:pattFill prst="dkUpDiag">
-                <a:fgClr>
-                  <a:schemeClr val="tx2"/>
-                </a:fgClr>
-                <a:bgClr>
-                  <a:schemeClr val="tx2">
-                    <a:lumMod val="20000"/>
-                    <a:lumOff val="80000"/>
-                  </a:schemeClr>
-                </a:bgClr>
-              </a:pattFill>
-              <a:effectLst>
-                <a:outerShdw dist="38100" dir="2640000" algn="bl" rotWithShape="0">
-                  <a:schemeClr val="tx2">
-                    <a:lumMod val="75000"/>
-                  </a:schemeClr>
-                </a:outerShdw>
-              </a:effectLst>
-            </a:endParaRPr>
-          </a:p>
-        </p:txBody>
-      </p:sp>
+      </p:pic>
     </p:spTree>
     <p:extLst>
       <p:ext uri="{BB962C8B-B14F-4D97-AF65-F5344CB8AC3E}">
-        <p14:creationId xmlns:p14="http://schemas.microsoft.com/office/powerpoint/2010/main" val="379639241"/>
+        <p14:creationId xmlns:p14="http://schemas.microsoft.com/office/powerpoint/2010/main" val="1406820400"/>
       </p:ext>
     </p:extLst>
   </p:cSld>
@@ -9252,79 +9054,720 @@
   <p:timing>
     <p:tnLst>
       <p:par>
-        <p:cTn id="1" dur="indefinite" restart="never" nodeType="tmRoot">
-          <p:childTnLst>
-            <p:seq concurrent="1" nextAc="seek">
-              <p:cTn id="2" dur="indefinite" nodeType="mainSeq">
-                <p:childTnLst>
-                  <p:par>
-                    <p:cTn id="3" fill="hold">
-                      <p:stCondLst>
-                        <p:cond delay="indefinite"/>
-                      </p:stCondLst>
-                      <p:childTnLst>
-                        <p:par>
-                          <p:cTn id="4" fill="hold">
-                            <p:stCondLst>
-                              <p:cond delay="0"/>
-                            </p:stCondLst>
-                            <p:childTnLst>
-                              <p:par>
-                                <p:cTn id="5" presetID="26" presetClass="emph" presetSubtype="0" fill="hold" grpId="0" nodeType="clickEffect">
-                                  <p:stCondLst>
-                                    <p:cond delay="0"/>
-                                  </p:stCondLst>
-                                  <p:childTnLst>
-                                    <p:animEffect transition="out" filter="fade">
-                                      <p:cBhvr>
-                                        <p:cTn id="6" dur="500" tmFilter="0, 0; .2, .5; .8, .5; 1, 0"/>
-                                        <p:tgtEl>
-                                          <p:spTgt spid="4"/>
-                                        </p:tgtEl>
-                                      </p:cBhvr>
-                                    </p:animEffect>
-                                    <p:animScale>
-                                      <p:cBhvr>
-                                        <p:cTn id="7" dur="250" autoRev="1" fill="hold"/>
-                                        <p:tgtEl>
-                                          <p:spTgt spid="4"/>
-                                        </p:tgtEl>
-                                      </p:cBhvr>
-                                      <p:by x="105000" y="105000"/>
-                                    </p:animScale>
-                                  </p:childTnLst>
-                                </p:cTn>
-                              </p:par>
-                            </p:childTnLst>
-                          </p:cTn>
-                        </p:par>
-                      </p:childTnLst>
-                    </p:cTn>
-                  </p:par>
-                </p:childTnLst>
-              </p:cTn>
-              <p:prevCondLst>
-                <p:cond evt="onPrev" delay="0">
-                  <p:tgtEl>
-                    <p:sldTgt/>
-                  </p:tgtEl>
-                </p:cond>
-              </p:prevCondLst>
-              <p:nextCondLst>
-                <p:cond evt="onNext" delay="0">
-                  <p:tgtEl>
-                    <p:sldTgt/>
-                  </p:tgtEl>
-                </p:cond>
-              </p:nextCondLst>
-            </p:seq>
-          </p:childTnLst>
-        </p:cTn>
+        <p:cTn id="1" dur="indefinite" restart="never" nodeType="tmRoot"/>
       </p:par>
     </p:tnLst>
-    <p:bldLst>
-      <p:bldP spid="4" grpId="0"/>
-    </p:bldLst>
+  </p:timing>
+</p:sld>
+</file>
+
+<file path=ppt/slides/slide8.xml><?xml version="1.0" encoding="utf-8"?>
+<p:sld xmlns:a="http://schemas.openxmlformats.org/drawingml/2006/main" xmlns:r="http://schemas.openxmlformats.org/officeDocument/2006/relationships" xmlns:p="http://schemas.openxmlformats.org/presentationml/2006/main">
+  <p:cSld>
+    <p:spTree>
+      <p:nvGrpSpPr>
+        <p:cNvPr id="1" name=""/>
+        <p:cNvGrpSpPr/>
+        <p:nvPr/>
+      </p:nvGrpSpPr>
+      <p:grpSpPr>
+        <a:xfrm>
+          <a:off x="0" y="0"/>
+          <a:ext cx="0" cy="0"/>
+          <a:chOff x="0" y="0"/>
+          <a:chExt cx="0" cy="0"/>
+        </a:xfrm>
+      </p:grpSpPr>
+      <p:sp>
+        <p:nvSpPr>
+          <p:cNvPr id="2" name="Title 1"/>
+          <p:cNvSpPr>
+            <a:spLocks noGrp="1"/>
+          </p:cNvSpPr>
+          <p:nvPr>
+            <p:ph type="title"/>
+          </p:nvPr>
+        </p:nvSpPr>
+        <p:spPr>
+          <a:xfrm>
+            <a:off x="749300" y="838200"/>
+            <a:ext cx="10131425" cy="673100"/>
+          </a:xfrm>
+        </p:spPr>
+        <p:txBody>
+          <a:bodyPr/>
+          <a:lstStyle/>
+          <a:p>
+            <a:pPr algn="ctr"/>
+            <a:r>
+              <a:rPr lang="en-US" altLang="zh-CN" dirty="0" smtClean="0"/>
+              <a:t>Begin</a:t>
+            </a:r>
+            <a:r>
+              <a:rPr lang="zh-CN" altLang="en-US" dirty="0" smtClean="0"/>
+              <a:t> </a:t>
+            </a:r>
+            <a:r>
+              <a:rPr lang="en-US" altLang="zh-CN" dirty="0" smtClean="0"/>
+              <a:t>election</a:t>
+            </a:r>
+            <a:endParaRPr lang="en-US" dirty="0"/>
+          </a:p>
+        </p:txBody>
+      </p:sp>
+      <p:pic>
+        <p:nvPicPr>
+          <p:cNvPr id="4" name="Picture 3"/>
+          <p:cNvPicPr>
+            <a:picLocks noChangeAspect="1"/>
+          </p:cNvPicPr>
+          <p:nvPr/>
+        </p:nvPicPr>
+        <p:blipFill>
+          <a:blip r:embed="rId2">
+            <a:extLst>
+              <a:ext uri="{28A0092B-C50C-407E-A947-70E740481C1C}">
+                <a14:useLocalDpi xmlns:a14="http://schemas.microsoft.com/office/drawing/2010/main" val="0"/>
+              </a:ext>
+            </a:extLst>
+          </a:blip>
+          <a:stretch>
+            <a:fillRect/>
+          </a:stretch>
+        </p:blipFill>
+        <p:spPr>
+          <a:xfrm>
+            <a:off x="1346200" y="2527300"/>
+            <a:ext cx="9245600" cy="2616200"/>
+          </a:xfrm>
+          <a:prstGeom prst="rect">
+            <a:avLst/>
+          </a:prstGeom>
+        </p:spPr>
+      </p:pic>
+    </p:spTree>
+    <p:extLst>
+      <p:ext uri="{BB962C8B-B14F-4D97-AF65-F5344CB8AC3E}">
+        <p14:creationId xmlns:p14="http://schemas.microsoft.com/office/powerpoint/2010/main" val="1515125223"/>
+      </p:ext>
+    </p:extLst>
+  </p:cSld>
+  <p:clrMapOvr>
+    <a:masterClrMapping/>
+  </p:clrMapOvr>
+  <p:timing>
+    <p:tnLst>
+      <p:par>
+        <p:cTn id="1" dur="indefinite" restart="never" nodeType="tmRoot"/>
+      </p:par>
+    </p:tnLst>
+  </p:timing>
+</p:sld>
+</file>
+
+<file path=ppt/slides/slide9.xml><?xml version="1.0" encoding="utf-8"?>
+<p:sld xmlns:a="http://schemas.openxmlformats.org/drawingml/2006/main" xmlns:r="http://schemas.openxmlformats.org/officeDocument/2006/relationships" xmlns:p="http://schemas.openxmlformats.org/presentationml/2006/main">
+  <p:cSld>
+    <p:spTree>
+      <p:nvGrpSpPr>
+        <p:cNvPr id="1" name=""/>
+        <p:cNvGrpSpPr/>
+        <p:nvPr/>
+      </p:nvGrpSpPr>
+      <p:grpSpPr>
+        <a:xfrm>
+          <a:off x="0" y="0"/>
+          <a:ext cx="0" cy="0"/>
+          <a:chOff x="0" y="0"/>
+          <a:chExt cx="0" cy="0"/>
+        </a:xfrm>
+      </p:grpSpPr>
+      <p:sp>
+        <p:nvSpPr>
+          <p:cNvPr id="2" name="Title 1"/>
+          <p:cNvSpPr>
+            <a:spLocks noGrp="1"/>
+          </p:cNvSpPr>
+          <p:nvPr>
+            <p:ph type="title"/>
+          </p:nvPr>
+        </p:nvSpPr>
+        <p:spPr>
+          <a:xfrm>
+            <a:off x="1003301" y="419101"/>
+            <a:ext cx="10131425" cy="723900"/>
+          </a:xfrm>
+        </p:spPr>
+        <p:txBody>
+          <a:bodyPr/>
+          <a:lstStyle/>
+          <a:p>
+            <a:pPr algn="ctr"/>
+            <a:r>
+              <a:rPr lang="en-US" altLang="zh-CN" dirty="0" smtClean="0"/>
+              <a:t>Design</a:t>
+            </a:r>
+            <a:r>
+              <a:rPr lang="zh-CN" altLang="en-US" dirty="0" smtClean="0"/>
+              <a:t> </a:t>
+            </a:r>
+            <a:r>
+              <a:rPr lang="en-US" altLang="zh-CN" dirty="0" smtClean="0"/>
+              <a:t>decisions</a:t>
+            </a:r>
+            <a:endParaRPr lang="en-US" dirty="0"/>
+          </a:p>
+        </p:txBody>
+      </p:sp>
+      <p:sp>
+        <p:nvSpPr>
+          <p:cNvPr id="3" name="Content Placeholder 2"/>
+          <p:cNvSpPr>
+            <a:spLocks noGrp="1"/>
+          </p:cNvSpPr>
+          <p:nvPr>
+            <p:ph idx="1"/>
+          </p:nvPr>
+        </p:nvSpPr>
+        <p:spPr>
+          <a:xfrm>
+            <a:off x="1003300" y="1659467"/>
+            <a:ext cx="10131425" cy="4207933"/>
+          </a:xfrm>
+        </p:spPr>
+        <p:txBody>
+          <a:bodyPr/>
+          <a:lstStyle/>
+          <a:p>
+            <a:r>
+              <a:rPr lang="en-US" altLang="zh-CN" sz="2800" dirty="0" smtClean="0"/>
+              <a:t>Leader</a:t>
+            </a:r>
+          </a:p>
+          <a:p>
+            <a:pPr lvl="1"/>
+            <a:r>
+              <a:rPr lang="en-US" altLang="zh-CN" sz="2000" dirty="0" smtClean="0"/>
+              <a:t>Each</a:t>
+            </a:r>
+            <a:r>
+              <a:rPr lang="zh-CN" altLang="en-US" sz="2000" dirty="0" smtClean="0"/>
+              <a:t> </a:t>
+            </a:r>
+            <a:r>
+              <a:rPr lang="en-US" altLang="zh-CN" sz="2000" dirty="0" smtClean="0"/>
+              <a:t>device</a:t>
+            </a:r>
+            <a:r>
+              <a:rPr lang="zh-CN" altLang="en-US" sz="2000" dirty="0" smtClean="0"/>
+              <a:t> </a:t>
+            </a:r>
+            <a:r>
+              <a:rPr lang="en-US" altLang="zh-CN" sz="2000" dirty="0" smtClean="0"/>
+              <a:t>has</a:t>
+            </a:r>
+            <a:r>
+              <a:rPr lang="zh-CN" altLang="en-US" sz="2000" dirty="0" smtClean="0"/>
+              <a:t> </a:t>
+            </a:r>
+            <a:r>
+              <a:rPr lang="en-US" altLang="zh-CN" sz="2000" dirty="0" smtClean="0"/>
+              <a:t>an</a:t>
+            </a:r>
+            <a:r>
+              <a:rPr lang="zh-CN" altLang="en-US" sz="2000" dirty="0" smtClean="0"/>
+              <a:t> </a:t>
+            </a:r>
+            <a:r>
+              <a:rPr lang="en-US" altLang="zh-CN" sz="2000" dirty="0" smtClean="0"/>
+              <a:t>address,</a:t>
+            </a:r>
+            <a:r>
+              <a:rPr lang="zh-CN" altLang="en-US" sz="2000" dirty="0" smtClean="0"/>
+              <a:t> </a:t>
+            </a:r>
+            <a:r>
+              <a:rPr lang="en-US" altLang="zh-CN" sz="2000" dirty="0" smtClean="0"/>
+              <a:t>the</a:t>
+            </a:r>
+            <a:r>
+              <a:rPr lang="zh-CN" altLang="en-US" sz="2000" dirty="0" smtClean="0"/>
+              <a:t> </a:t>
+            </a:r>
+            <a:r>
+              <a:rPr lang="en-US" altLang="zh-CN" sz="2000" dirty="0" smtClean="0"/>
+              <a:t>device</a:t>
+            </a:r>
+            <a:r>
+              <a:rPr lang="zh-CN" altLang="en-US" sz="2000" dirty="0" smtClean="0"/>
+              <a:t> </a:t>
+            </a:r>
+            <a:r>
+              <a:rPr lang="en-US" altLang="zh-CN" sz="2000" dirty="0" smtClean="0"/>
+              <a:t>with</a:t>
+            </a:r>
+            <a:r>
+              <a:rPr lang="zh-CN" altLang="en-US" sz="2000" dirty="0" smtClean="0"/>
+              <a:t> </a:t>
+            </a:r>
+            <a:r>
+              <a:rPr lang="en-US" altLang="zh-CN" sz="2000" dirty="0" smtClean="0"/>
+              <a:t>the</a:t>
+            </a:r>
+            <a:r>
+              <a:rPr lang="zh-CN" altLang="en-US" sz="2000" dirty="0" smtClean="0"/>
+              <a:t> </a:t>
+            </a:r>
+            <a:r>
+              <a:rPr lang="en-US" altLang="zh-CN" sz="2000" dirty="0" smtClean="0"/>
+              <a:t>highest</a:t>
+            </a:r>
+            <a:r>
+              <a:rPr lang="zh-CN" altLang="en-US" sz="2000" dirty="0" smtClean="0"/>
+              <a:t> </a:t>
+            </a:r>
+            <a:r>
+              <a:rPr lang="en-US" altLang="zh-CN" sz="2000" dirty="0" smtClean="0"/>
+              <a:t>address</a:t>
+            </a:r>
+            <a:r>
+              <a:rPr lang="zh-CN" altLang="en-US" sz="2000" dirty="0" smtClean="0"/>
+              <a:t> </a:t>
+            </a:r>
+            <a:r>
+              <a:rPr lang="en-US" altLang="zh-CN" sz="2000" dirty="0" smtClean="0"/>
+              <a:t>is</a:t>
+            </a:r>
+            <a:r>
+              <a:rPr lang="zh-CN" altLang="en-US" sz="2000" dirty="0" smtClean="0"/>
+              <a:t> </a:t>
+            </a:r>
+            <a:r>
+              <a:rPr lang="en-US" altLang="zh-CN" sz="2000" dirty="0" smtClean="0"/>
+              <a:t>the</a:t>
+            </a:r>
+            <a:r>
+              <a:rPr lang="zh-CN" altLang="en-US" sz="2000" dirty="0" smtClean="0"/>
+              <a:t> </a:t>
+            </a:r>
+            <a:r>
+              <a:rPr lang="en-US" altLang="zh-CN" sz="2000" dirty="0" smtClean="0"/>
+              <a:t>leader</a:t>
+            </a:r>
+            <a:r>
+              <a:rPr lang="en-US" altLang="zh-CN" sz="2000" dirty="0" smtClean="0"/>
+              <a:t>.</a:t>
+            </a:r>
+          </a:p>
+          <a:p>
+            <a:pPr lvl="1"/>
+            <a:r>
+              <a:rPr lang="en-US" altLang="zh-CN" sz="2000" dirty="0" smtClean="0"/>
+              <a:t>A</a:t>
+            </a:r>
+            <a:r>
+              <a:rPr lang="zh-CN" altLang="en-US" sz="2000" dirty="0" smtClean="0"/>
+              <a:t> </a:t>
+            </a:r>
+            <a:r>
+              <a:rPr lang="en-US" altLang="zh-CN" sz="2000" dirty="0" smtClean="0"/>
+              <a:t>process</a:t>
+            </a:r>
+            <a:r>
+              <a:rPr lang="zh-CN" altLang="en-US" sz="2000" dirty="0" smtClean="0"/>
+              <a:t> </a:t>
+            </a:r>
+            <a:r>
+              <a:rPr lang="en-US" altLang="zh-CN" sz="2000" dirty="0" smtClean="0"/>
+              <a:t>initiates</a:t>
+            </a:r>
+            <a:r>
+              <a:rPr lang="zh-CN" altLang="en-US" sz="2000" dirty="0" smtClean="0"/>
+              <a:t> </a:t>
+            </a:r>
+            <a:r>
+              <a:rPr lang="en-US" altLang="zh-CN" sz="2000" dirty="0" smtClean="0"/>
+              <a:t>an</a:t>
+            </a:r>
+            <a:r>
+              <a:rPr lang="zh-CN" altLang="en-US" sz="2000" dirty="0" smtClean="0"/>
+              <a:t> </a:t>
+            </a:r>
+            <a:r>
+              <a:rPr lang="en-US" altLang="zh-CN" sz="2000" dirty="0" smtClean="0"/>
+              <a:t>election</a:t>
+            </a:r>
+            <a:r>
+              <a:rPr lang="zh-CN" altLang="en-US" sz="2000" dirty="0" smtClean="0"/>
+              <a:t> </a:t>
+            </a:r>
+            <a:r>
+              <a:rPr lang="en-US" altLang="zh-CN" sz="2000" dirty="0" smtClean="0"/>
+              <a:t>if</a:t>
+            </a:r>
+            <a:r>
+              <a:rPr lang="zh-CN" altLang="en-US" sz="2000" dirty="0" smtClean="0"/>
+              <a:t> </a:t>
+            </a:r>
+            <a:r>
+              <a:rPr lang="en-US" altLang="zh-CN" sz="2000" dirty="0" smtClean="0"/>
+              <a:t>it</a:t>
+            </a:r>
+            <a:r>
+              <a:rPr lang="zh-CN" altLang="en-US" sz="2000" dirty="0" smtClean="0"/>
+              <a:t> </a:t>
+            </a:r>
+            <a:r>
+              <a:rPr lang="en-US" altLang="zh-CN" sz="2000" dirty="0" smtClean="0"/>
+              <a:t>just</a:t>
+            </a:r>
+            <a:r>
+              <a:rPr lang="zh-CN" altLang="en-US" sz="2000" dirty="0" smtClean="0"/>
+              <a:t> </a:t>
+            </a:r>
+            <a:r>
+              <a:rPr lang="en-US" altLang="zh-CN" sz="2000" dirty="0" smtClean="0"/>
+              <a:t>recovered</a:t>
+            </a:r>
+            <a:r>
+              <a:rPr lang="zh-CN" altLang="en-US" sz="2000" dirty="0" smtClean="0"/>
+              <a:t> </a:t>
+            </a:r>
+            <a:r>
+              <a:rPr lang="en-US" altLang="zh-CN" sz="2000" dirty="0" smtClean="0"/>
+              <a:t>from</a:t>
+            </a:r>
+            <a:r>
+              <a:rPr lang="zh-CN" altLang="en-US" sz="2000" dirty="0" smtClean="0"/>
+              <a:t> </a:t>
+            </a:r>
+            <a:r>
+              <a:rPr lang="en-US" altLang="zh-CN" sz="2000" dirty="0" smtClean="0"/>
+              <a:t>failure</a:t>
+            </a:r>
+            <a:r>
+              <a:rPr lang="zh-CN" altLang="en-US" sz="2000" dirty="0" smtClean="0"/>
+              <a:t> </a:t>
+            </a:r>
+            <a:r>
+              <a:rPr lang="en-US" altLang="zh-CN" sz="2000" dirty="0" smtClean="0"/>
+              <a:t>or</a:t>
+            </a:r>
+            <a:r>
+              <a:rPr lang="zh-CN" altLang="en-US" sz="2000" dirty="0" smtClean="0"/>
+              <a:t> </a:t>
+            </a:r>
+            <a:r>
+              <a:rPr lang="en-US" altLang="zh-CN" sz="2000" dirty="0" smtClean="0"/>
+              <a:t>it</a:t>
+            </a:r>
+            <a:r>
+              <a:rPr lang="zh-CN" altLang="en-US" sz="2000" dirty="0" smtClean="0"/>
+              <a:t> </a:t>
+            </a:r>
+            <a:r>
+              <a:rPr lang="en-US" altLang="zh-CN" sz="2000" dirty="0" smtClean="0"/>
+              <a:t>notices</a:t>
+            </a:r>
+            <a:r>
+              <a:rPr lang="zh-CN" altLang="en-US" sz="2000" dirty="0" smtClean="0"/>
+              <a:t> </a:t>
+            </a:r>
+            <a:r>
+              <a:rPr lang="en-US" altLang="zh-CN" sz="2000" dirty="0" smtClean="0"/>
+              <a:t>that</a:t>
+            </a:r>
+            <a:r>
+              <a:rPr lang="zh-CN" altLang="en-US" sz="2000" dirty="0" smtClean="0"/>
+              <a:t> </a:t>
+            </a:r>
+            <a:r>
+              <a:rPr lang="en-US" altLang="zh-CN" sz="2000" dirty="0" smtClean="0"/>
+              <a:t>the</a:t>
+            </a:r>
+            <a:r>
+              <a:rPr lang="zh-CN" altLang="en-US" sz="2000" dirty="0" smtClean="0"/>
+              <a:t> </a:t>
+            </a:r>
+            <a:r>
+              <a:rPr lang="en-US" altLang="zh-CN" sz="2000" dirty="0" smtClean="0"/>
+              <a:t>leader</a:t>
+            </a:r>
+            <a:r>
+              <a:rPr lang="zh-CN" altLang="en-US" sz="2000" dirty="0" smtClean="0"/>
+              <a:t> </a:t>
+            </a:r>
+            <a:r>
+              <a:rPr lang="en-US" altLang="zh-CN" sz="2000" dirty="0" smtClean="0"/>
+              <a:t>has</a:t>
+            </a:r>
+            <a:r>
+              <a:rPr lang="zh-CN" altLang="en-US" sz="2000" dirty="0" smtClean="0"/>
+              <a:t> </a:t>
+            </a:r>
+            <a:r>
+              <a:rPr lang="en-US" altLang="zh-CN" sz="2000" dirty="0" smtClean="0"/>
+              <a:t>failed.</a:t>
+            </a:r>
+          </a:p>
+          <a:p>
+            <a:pPr lvl="1"/>
+            <a:r>
+              <a:rPr lang="en-US" altLang="zh-CN" sz="2000" dirty="0" smtClean="0"/>
+              <a:t>The</a:t>
+            </a:r>
+            <a:r>
+              <a:rPr lang="zh-CN" altLang="en-US" sz="2000" dirty="0" smtClean="0"/>
+              <a:t> </a:t>
+            </a:r>
+            <a:r>
+              <a:rPr lang="en-US" altLang="zh-CN" sz="2000" dirty="0" smtClean="0"/>
+              <a:t>new</a:t>
+            </a:r>
+            <a:r>
+              <a:rPr lang="zh-CN" altLang="en-US" sz="2000" dirty="0" smtClean="0"/>
+              <a:t> </a:t>
+            </a:r>
+            <a:r>
+              <a:rPr lang="en-US" altLang="zh-CN" sz="2000" dirty="0" smtClean="0"/>
+              <a:t>election</a:t>
+            </a:r>
+            <a:r>
+              <a:rPr lang="zh-CN" altLang="en-US" sz="2000" dirty="0" smtClean="0"/>
+              <a:t> </a:t>
+            </a:r>
+            <a:r>
+              <a:rPr lang="en-US" altLang="zh-CN" sz="2000" dirty="0" smtClean="0"/>
+              <a:t>would</a:t>
+            </a:r>
+            <a:r>
+              <a:rPr lang="zh-CN" altLang="en-US" sz="2000" dirty="0" smtClean="0"/>
+              <a:t> </a:t>
+            </a:r>
+            <a:r>
+              <a:rPr lang="en-US" altLang="zh-CN" sz="2000" dirty="0" smtClean="0"/>
+              <a:t>only</a:t>
+            </a:r>
+            <a:r>
+              <a:rPr lang="zh-CN" altLang="en-US" sz="2000" dirty="0" smtClean="0"/>
+              <a:t> </a:t>
+            </a:r>
+            <a:r>
+              <a:rPr lang="en-US" altLang="zh-CN" sz="2000" dirty="0" smtClean="0"/>
+              <a:t>occur</a:t>
+            </a:r>
+            <a:r>
+              <a:rPr lang="zh-CN" altLang="en-US" sz="2000" dirty="0" smtClean="0"/>
+              <a:t> </a:t>
+            </a:r>
+            <a:r>
+              <a:rPr lang="en-US" altLang="zh-CN" sz="2000" dirty="0" smtClean="0"/>
+              <a:t>while</a:t>
+            </a:r>
+            <a:r>
+              <a:rPr lang="zh-CN" altLang="en-US" sz="2000" dirty="0" smtClean="0"/>
+              <a:t> </a:t>
+            </a:r>
+            <a:r>
+              <a:rPr lang="en-US" altLang="zh-CN" sz="2000" dirty="0" smtClean="0"/>
+              <a:t>the</a:t>
+            </a:r>
+            <a:r>
+              <a:rPr lang="zh-CN" altLang="en-US" sz="2000" dirty="0" smtClean="0"/>
+              <a:t> </a:t>
+            </a:r>
+            <a:r>
+              <a:rPr lang="en-US" altLang="zh-CN" sz="2000" dirty="0" smtClean="0"/>
+              <a:t>new</a:t>
+            </a:r>
+            <a:r>
+              <a:rPr lang="zh-CN" altLang="en-US" sz="2000" dirty="0" smtClean="0"/>
+              <a:t> </a:t>
+            </a:r>
+            <a:r>
+              <a:rPr lang="en-US" altLang="zh-CN" sz="2000" dirty="0" smtClean="0"/>
+              <a:t>plugged-in</a:t>
+            </a:r>
+            <a:r>
+              <a:rPr lang="zh-CN" altLang="en-US" sz="2000" dirty="0" smtClean="0"/>
+              <a:t> </a:t>
+            </a:r>
+            <a:r>
+              <a:rPr lang="en-US" altLang="zh-CN" sz="2000" dirty="0" smtClean="0"/>
+              <a:t>device’s</a:t>
+            </a:r>
+            <a:r>
+              <a:rPr lang="zh-CN" altLang="en-US" sz="2000" dirty="0" smtClean="0"/>
+              <a:t> </a:t>
+            </a:r>
+            <a:r>
+              <a:rPr lang="en-US" altLang="zh-CN" sz="2000" dirty="0" smtClean="0"/>
+              <a:t>address</a:t>
+            </a:r>
+            <a:r>
+              <a:rPr lang="zh-CN" altLang="en-US" sz="2000" dirty="0" smtClean="0"/>
+              <a:t> </a:t>
+            </a:r>
+            <a:r>
+              <a:rPr lang="en-US" altLang="zh-CN" sz="2000" dirty="0" smtClean="0"/>
+              <a:t>is</a:t>
+            </a:r>
+            <a:r>
+              <a:rPr lang="zh-CN" altLang="en-US" sz="2000" dirty="0" smtClean="0"/>
+              <a:t> </a:t>
+            </a:r>
+            <a:r>
+              <a:rPr lang="en-US" altLang="zh-CN" sz="2000" dirty="0" smtClean="0"/>
+              <a:t>higher</a:t>
+            </a:r>
+            <a:r>
+              <a:rPr lang="zh-CN" altLang="en-US" sz="2000" dirty="0" smtClean="0"/>
+              <a:t> </a:t>
+            </a:r>
+            <a:r>
+              <a:rPr lang="en-US" altLang="zh-CN" sz="2000" dirty="0" smtClean="0"/>
+              <a:t>than</a:t>
+            </a:r>
+            <a:r>
+              <a:rPr lang="zh-CN" altLang="en-US" sz="2000" dirty="0" smtClean="0"/>
+              <a:t> </a:t>
+            </a:r>
+            <a:r>
+              <a:rPr lang="en-US" altLang="zh-CN" sz="2000" dirty="0" smtClean="0"/>
+              <a:t>the</a:t>
+            </a:r>
+            <a:r>
+              <a:rPr lang="zh-CN" altLang="en-US" sz="2000" dirty="0" smtClean="0"/>
+              <a:t> </a:t>
+            </a:r>
+            <a:r>
+              <a:rPr lang="en-US" altLang="zh-CN" sz="2000" dirty="0" smtClean="0"/>
+              <a:t>current</a:t>
+            </a:r>
+            <a:r>
+              <a:rPr lang="zh-CN" altLang="en-US" sz="2000" dirty="0" smtClean="0"/>
+              <a:t> </a:t>
+            </a:r>
+            <a:r>
+              <a:rPr lang="en-US" altLang="zh-CN" sz="2000" dirty="0" smtClean="0"/>
+              <a:t>leader’s.</a:t>
+            </a:r>
+            <a:r>
+              <a:rPr lang="zh-CN" altLang="en-US" sz="2000" dirty="0" smtClean="0"/>
+              <a:t> </a:t>
+            </a:r>
+            <a:endParaRPr lang="en-US" altLang="zh-CN" sz="2000" dirty="0" smtClean="0"/>
+          </a:p>
+          <a:p>
+            <a:r>
+              <a:rPr lang="en-US" altLang="zh-CN" sz="2800" dirty="0" err="1" smtClean="0"/>
+              <a:t>Xbee</a:t>
+            </a:r>
+            <a:r>
+              <a:rPr lang="zh-CN" altLang="en-US" sz="2800" dirty="0" smtClean="0"/>
+              <a:t> </a:t>
+            </a:r>
+            <a:r>
+              <a:rPr lang="en-US" altLang="zh-CN" sz="2800" dirty="0" smtClean="0"/>
+              <a:t>Mode</a:t>
+            </a:r>
+          </a:p>
+          <a:p>
+            <a:pPr lvl="1"/>
+            <a:r>
+              <a:rPr lang="en-US" altLang="zh-CN" sz="2000" dirty="0" smtClean="0"/>
+              <a:t>We</a:t>
+            </a:r>
+            <a:r>
+              <a:rPr lang="zh-CN" altLang="en-US" sz="2000" dirty="0" smtClean="0"/>
+              <a:t> </a:t>
+            </a:r>
+            <a:r>
+              <a:rPr lang="en-US" altLang="zh-CN" sz="2000" dirty="0" smtClean="0"/>
+              <a:t>choose</a:t>
+            </a:r>
+            <a:r>
+              <a:rPr lang="zh-CN" altLang="en-US" sz="2000" dirty="0" smtClean="0"/>
+              <a:t> </a:t>
+            </a:r>
+            <a:r>
+              <a:rPr lang="en-US" altLang="zh-CN" sz="2000" dirty="0" smtClean="0"/>
+              <a:t>the</a:t>
+            </a:r>
+            <a:r>
+              <a:rPr lang="zh-CN" altLang="en-US" sz="2000" dirty="0" smtClean="0"/>
+              <a:t> </a:t>
+            </a:r>
+            <a:r>
+              <a:rPr lang="en-US" altLang="zh-CN" sz="2000" dirty="0" smtClean="0"/>
+              <a:t>API</a:t>
+            </a:r>
+            <a:r>
+              <a:rPr lang="zh-CN" altLang="en-US" sz="2000" dirty="0" smtClean="0"/>
+              <a:t> </a:t>
+            </a:r>
+            <a:r>
+              <a:rPr lang="en-US" altLang="zh-CN" sz="2000" dirty="0" smtClean="0"/>
+              <a:t>mode</a:t>
+            </a:r>
+            <a:r>
+              <a:rPr lang="zh-CN" altLang="en-US" sz="2000" dirty="0" smtClean="0"/>
+              <a:t> </a:t>
+            </a:r>
+            <a:r>
+              <a:rPr lang="en-US" altLang="zh-CN" sz="2000" dirty="0" smtClean="0"/>
+              <a:t>to</a:t>
+            </a:r>
+            <a:r>
+              <a:rPr lang="zh-CN" altLang="en-US" sz="2000" dirty="0" smtClean="0"/>
+              <a:t> </a:t>
+            </a:r>
+            <a:r>
+              <a:rPr lang="en-US" altLang="zh-CN" sz="2000" dirty="0" smtClean="0"/>
+              <a:t>implement</a:t>
+            </a:r>
+            <a:r>
+              <a:rPr lang="zh-CN" altLang="en-US" sz="2000" dirty="0" smtClean="0"/>
+              <a:t> </a:t>
+            </a:r>
+            <a:r>
+              <a:rPr lang="en-US" altLang="zh-CN" sz="2000" dirty="0" smtClean="0"/>
+              <a:t>the</a:t>
+            </a:r>
+            <a:r>
+              <a:rPr lang="zh-CN" altLang="en-US" sz="2000" dirty="0" smtClean="0"/>
+              <a:t> </a:t>
+            </a:r>
+            <a:r>
+              <a:rPr lang="en-US" altLang="zh-CN" sz="2000" dirty="0" smtClean="0"/>
+              <a:t>algorithm</a:t>
+            </a:r>
+          </a:p>
+          <a:p>
+            <a:endParaRPr lang="en-US" altLang="zh-CN" dirty="0" smtClean="0"/>
+          </a:p>
+          <a:p>
+            <a:pPr lvl="1"/>
+            <a:endParaRPr lang="en-US" dirty="0"/>
+          </a:p>
+        </p:txBody>
+      </p:sp>
+    </p:spTree>
+    <p:extLst>
+      <p:ext uri="{BB962C8B-B14F-4D97-AF65-F5344CB8AC3E}">
+        <p14:creationId xmlns:p14="http://schemas.microsoft.com/office/powerpoint/2010/main" val="1555244167"/>
+      </p:ext>
+    </p:extLst>
+  </p:cSld>
+  <p:clrMapOvr>
+    <a:masterClrMapping/>
+  </p:clrMapOvr>
+  <p:timing>
+    <p:tnLst>
+      <p:par>
+        <p:cTn id="1" dur="indefinite" restart="never" nodeType="tmRoot"/>
+      </p:par>
+    </p:tnLst>
   </p:timing>
 </p:sld>
 </file>
